--- a/Play with the Gnosis Safe multi-signature wallet, take transation, connection to Compound and Snapshot services as examples/images/images.pptx
+++ b/Play with the Gnosis Safe multi-signature wallet, take transation, connection to Compound and Snapshot services as examples/images/images.pptx
@@ -11,38 +11,39 @@
     <p:sldId id="290" r:id="rId5"/>
     <p:sldId id="294" r:id="rId6"/>
     <p:sldId id="295" r:id="rId7"/>
-    <p:sldId id="296" r:id="rId8"/>
-    <p:sldId id="259" r:id="rId9"/>
-    <p:sldId id="260" r:id="rId10"/>
-    <p:sldId id="261" r:id="rId11"/>
-    <p:sldId id="262" r:id="rId12"/>
-    <p:sldId id="263" r:id="rId13"/>
-    <p:sldId id="264" r:id="rId14"/>
-    <p:sldId id="265" r:id="rId15"/>
-    <p:sldId id="266" r:id="rId16"/>
-    <p:sldId id="267" r:id="rId17"/>
-    <p:sldId id="268" r:id="rId18"/>
-    <p:sldId id="269" r:id="rId19"/>
-    <p:sldId id="270" r:id="rId20"/>
-    <p:sldId id="271" r:id="rId21"/>
-    <p:sldId id="272" r:id="rId22"/>
-    <p:sldId id="273" r:id="rId23"/>
-    <p:sldId id="274" r:id="rId24"/>
-    <p:sldId id="275" r:id="rId25"/>
-    <p:sldId id="276" r:id="rId26"/>
-    <p:sldId id="277" r:id="rId27"/>
-    <p:sldId id="278" r:id="rId28"/>
-    <p:sldId id="279" r:id="rId29"/>
-    <p:sldId id="280" r:id="rId30"/>
-    <p:sldId id="281" r:id="rId31"/>
-    <p:sldId id="282" r:id="rId32"/>
-    <p:sldId id="283" r:id="rId33"/>
-    <p:sldId id="284" r:id="rId34"/>
-    <p:sldId id="285" r:id="rId35"/>
-    <p:sldId id="286" r:id="rId36"/>
-    <p:sldId id="287" r:id="rId37"/>
-    <p:sldId id="288" r:id="rId38"/>
-    <p:sldId id="256" r:id="rId39"/>
+    <p:sldId id="297" r:id="rId8"/>
+    <p:sldId id="296" r:id="rId9"/>
+    <p:sldId id="259" r:id="rId10"/>
+    <p:sldId id="260" r:id="rId11"/>
+    <p:sldId id="261" r:id="rId12"/>
+    <p:sldId id="262" r:id="rId13"/>
+    <p:sldId id="263" r:id="rId14"/>
+    <p:sldId id="264" r:id="rId15"/>
+    <p:sldId id="265" r:id="rId16"/>
+    <p:sldId id="266" r:id="rId17"/>
+    <p:sldId id="267" r:id="rId18"/>
+    <p:sldId id="268" r:id="rId19"/>
+    <p:sldId id="269" r:id="rId20"/>
+    <p:sldId id="270" r:id="rId21"/>
+    <p:sldId id="271" r:id="rId22"/>
+    <p:sldId id="272" r:id="rId23"/>
+    <p:sldId id="273" r:id="rId24"/>
+    <p:sldId id="274" r:id="rId25"/>
+    <p:sldId id="275" r:id="rId26"/>
+    <p:sldId id="276" r:id="rId27"/>
+    <p:sldId id="277" r:id="rId28"/>
+    <p:sldId id="278" r:id="rId29"/>
+    <p:sldId id="279" r:id="rId30"/>
+    <p:sldId id="280" r:id="rId31"/>
+    <p:sldId id="281" r:id="rId32"/>
+    <p:sldId id="282" r:id="rId33"/>
+    <p:sldId id="283" r:id="rId34"/>
+    <p:sldId id="284" r:id="rId35"/>
+    <p:sldId id="285" r:id="rId36"/>
+    <p:sldId id="286" r:id="rId37"/>
+    <p:sldId id="287" r:id="rId38"/>
+    <p:sldId id="288" r:id="rId39"/>
+    <p:sldId id="256" r:id="rId40"/>
   </p:sldIdLst>
   <p:sldSz cx="12192000" cy="6858000"/>
   <p:notesSz cx="6858000" cy="9144000"/>
@@ -3423,10 +3424,852 @@
           <a:chExt cx="0" cy="0"/>
         </a:xfrm>
       </p:grpSpPr>
+      <p:pic>
+        <p:nvPicPr>
+          <p:cNvPr id="3" name="圖片 2">
+            <a:extLst>
+              <a:ext uri="{FF2B5EF4-FFF2-40B4-BE49-F238E27FC236}">
+                <a16:creationId xmlns:a16="http://schemas.microsoft.com/office/drawing/2014/main" id="{E9BB6FE3-DFAE-4686-9767-A2EB9647177E}"/>
+              </a:ext>
+            </a:extLst>
+          </p:cNvPr>
+          <p:cNvPicPr>
+            <a:picLocks noChangeAspect="1"/>
+          </p:cNvPicPr>
+          <p:nvPr/>
+        </p:nvPicPr>
+        <p:blipFill>
+          <a:blip r:embed="rId2"/>
+          <a:stretch>
+            <a:fillRect/>
+          </a:stretch>
+        </p:blipFill>
+        <p:spPr>
+          <a:xfrm>
+            <a:off x="0" y="331323"/>
+            <a:ext cx="12192000" cy="6195353"/>
+          </a:xfrm>
+          <a:prstGeom prst="rect">
+            <a:avLst/>
+          </a:prstGeom>
+        </p:spPr>
+      </p:pic>
+      <p:grpSp>
+        <p:nvGrpSpPr>
+          <p:cNvPr id="22" name="群組 21">
+            <a:extLst>
+              <a:ext uri="{FF2B5EF4-FFF2-40B4-BE49-F238E27FC236}">
+                <a16:creationId xmlns:a16="http://schemas.microsoft.com/office/drawing/2014/main" id="{26118DD8-438C-495B-A501-25A1DD5F53F8}"/>
+              </a:ext>
+            </a:extLst>
+          </p:cNvPr>
+          <p:cNvGrpSpPr/>
+          <p:nvPr/>
+        </p:nvGrpSpPr>
+        <p:grpSpPr>
+          <a:xfrm>
+            <a:off x="1073001" y="3593740"/>
+            <a:ext cx="3477750" cy="189525"/>
+            <a:chOff x="1073001" y="3593740"/>
+            <a:chExt cx="3477750" cy="189525"/>
+          </a:xfrm>
+        </p:grpSpPr>
+        <p:sp>
+          <p:nvSpPr>
+            <p:cNvPr id="4" name="矩形 3">
+              <a:extLst>
+                <a:ext uri="{FF2B5EF4-FFF2-40B4-BE49-F238E27FC236}">
+                  <a16:creationId xmlns:a16="http://schemas.microsoft.com/office/drawing/2014/main" id="{5CF467B7-5008-4768-83A6-8146A5139579}"/>
+                </a:ext>
+              </a:extLst>
+            </p:cNvPr>
+            <p:cNvSpPr/>
+            <p:nvPr/>
+          </p:nvSpPr>
+          <p:spPr>
+            <a:xfrm>
+              <a:off x="1073001" y="3603265"/>
+              <a:ext cx="990000" cy="180000"/>
+            </a:xfrm>
+            <a:prstGeom prst="rect">
+              <a:avLst/>
+            </a:prstGeom>
+            <a:noFill/>
+            <a:ln w="38100">
+              <a:solidFill>
+                <a:srgbClr val="00B050"/>
+              </a:solidFill>
+            </a:ln>
+          </p:spPr>
+          <p:style>
+            <a:lnRef idx="2">
+              <a:schemeClr val="accent1">
+                <a:shade val="50000"/>
+              </a:schemeClr>
+            </a:lnRef>
+            <a:fillRef idx="1">
+              <a:schemeClr val="accent1"/>
+            </a:fillRef>
+            <a:effectRef idx="0">
+              <a:schemeClr val="accent1"/>
+            </a:effectRef>
+            <a:fontRef idx="minor">
+              <a:schemeClr val="lt1"/>
+            </a:fontRef>
+          </p:style>
+          <p:txBody>
+            <a:bodyPr rtlCol="0" anchor="ctr"/>
+            <a:lstStyle/>
+            <a:p>
+              <a:pPr algn="ctr"/>
+              <a:endParaRPr lang="zh-TW" altLang="en-US"/>
+            </a:p>
+          </p:txBody>
+        </p:sp>
+        <p:sp>
+          <p:nvSpPr>
+            <p:cNvPr id="5" name="矩形 4">
+              <a:extLst>
+                <a:ext uri="{FF2B5EF4-FFF2-40B4-BE49-F238E27FC236}">
+                  <a16:creationId xmlns:a16="http://schemas.microsoft.com/office/drawing/2014/main" id="{BED60154-8181-4D22-BD0A-F2EB3E476BB7}"/>
+                </a:ext>
+              </a:extLst>
+            </p:cNvPr>
+            <p:cNvSpPr/>
+            <p:nvPr/>
+          </p:nvSpPr>
+          <p:spPr>
+            <a:xfrm>
+              <a:off x="2120751" y="3593740"/>
+              <a:ext cx="2430000" cy="180000"/>
+            </a:xfrm>
+            <a:prstGeom prst="rect">
+              <a:avLst/>
+            </a:prstGeom>
+            <a:noFill/>
+            <a:ln w="38100">
+              <a:solidFill>
+                <a:srgbClr val="00B050"/>
+              </a:solidFill>
+            </a:ln>
+          </p:spPr>
+          <p:style>
+            <a:lnRef idx="2">
+              <a:schemeClr val="accent1">
+                <a:shade val="50000"/>
+              </a:schemeClr>
+            </a:lnRef>
+            <a:fillRef idx="1">
+              <a:schemeClr val="accent1"/>
+            </a:fillRef>
+            <a:effectRef idx="0">
+              <a:schemeClr val="accent1"/>
+            </a:effectRef>
+            <a:fontRef idx="minor">
+              <a:schemeClr val="lt1"/>
+            </a:fontRef>
+          </p:style>
+          <p:txBody>
+            <a:bodyPr rtlCol="0" anchor="ctr"/>
+            <a:lstStyle/>
+            <a:p>
+              <a:pPr algn="ctr"/>
+              <a:endParaRPr lang="zh-TW" altLang="en-US"/>
+            </a:p>
+          </p:txBody>
+        </p:sp>
+      </p:grpSp>
+      <p:sp>
+        <p:nvSpPr>
+          <p:cNvPr id="6" name="矩形 5">
+            <a:extLst>
+              <a:ext uri="{FF2B5EF4-FFF2-40B4-BE49-F238E27FC236}">
+                <a16:creationId xmlns:a16="http://schemas.microsoft.com/office/drawing/2014/main" id="{BDF7767A-2AA7-4667-B39B-DCA0C7BAFE8B}"/>
+              </a:ext>
+            </a:extLst>
+          </p:cNvPr>
+          <p:cNvSpPr/>
+          <p:nvPr/>
+        </p:nvSpPr>
+        <p:spPr>
+          <a:xfrm>
+            <a:off x="1073001" y="3861053"/>
+            <a:ext cx="990000" cy="180000"/>
+          </a:xfrm>
+          <a:prstGeom prst="rect">
+            <a:avLst/>
+          </a:prstGeom>
+          <a:noFill/>
+          <a:ln w="38100">
+            <a:solidFill>
+              <a:srgbClr val="00B050"/>
+            </a:solidFill>
+          </a:ln>
+        </p:spPr>
+        <p:style>
+          <a:lnRef idx="2">
+            <a:schemeClr val="accent1">
+              <a:shade val="50000"/>
+            </a:schemeClr>
+          </a:lnRef>
+          <a:fillRef idx="1">
+            <a:schemeClr val="accent1"/>
+          </a:fillRef>
+          <a:effectRef idx="0">
+            <a:schemeClr val="accent1"/>
+          </a:effectRef>
+          <a:fontRef idx="minor">
+            <a:schemeClr val="lt1"/>
+          </a:fontRef>
+        </p:style>
+        <p:txBody>
+          <a:bodyPr rtlCol="0" anchor="ctr"/>
+          <a:lstStyle/>
+          <a:p>
+            <a:pPr algn="ctr"/>
+            <a:endParaRPr lang="zh-TW" altLang="en-US"/>
+          </a:p>
+        </p:txBody>
+      </p:sp>
+      <p:sp>
+        <p:nvSpPr>
+          <p:cNvPr id="7" name="矩形 6">
+            <a:extLst>
+              <a:ext uri="{FF2B5EF4-FFF2-40B4-BE49-F238E27FC236}">
+                <a16:creationId xmlns:a16="http://schemas.microsoft.com/office/drawing/2014/main" id="{9836C7DF-57DC-49AA-8FC8-8B8E27B0ABEB}"/>
+              </a:ext>
+            </a:extLst>
+          </p:cNvPr>
+          <p:cNvSpPr/>
+          <p:nvPr/>
+        </p:nvSpPr>
+        <p:spPr>
+          <a:xfrm>
+            <a:off x="1073001" y="4118841"/>
+            <a:ext cx="990000" cy="180000"/>
+          </a:xfrm>
+          <a:prstGeom prst="rect">
+            <a:avLst/>
+          </a:prstGeom>
+          <a:noFill/>
+          <a:ln w="38100">
+            <a:solidFill>
+              <a:srgbClr val="00B050"/>
+            </a:solidFill>
+          </a:ln>
+        </p:spPr>
+        <p:style>
+          <a:lnRef idx="2">
+            <a:schemeClr val="accent1">
+              <a:shade val="50000"/>
+            </a:schemeClr>
+          </a:lnRef>
+          <a:fillRef idx="1">
+            <a:schemeClr val="accent1"/>
+          </a:fillRef>
+          <a:effectRef idx="0">
+            <a:schemeClr val="accent1"/>
+          </a:effectRef>
+          <a:fontRef idx="minor">
+            <a:schemeClr val="lt1"/>
+          </a:fontRef>
+        </p:style>
+        <p:txBody>
+          <a:bodyPr rtlCol="0" anchor="ctr"/>
+          <a:lstStyle/>
+          <a:p>
+            <a:pPr algn="ctr"/>
+            <a:endParaRPr lang="zh-TW" altLang="en-US"/>
+          </a:p>
+        </p:txBody>
+      </p:sp>
+      <p:sp>
+        <p:nvSpPr>
+          <p:cNvPr id="8" name="矩形 7">
+            <a:extLst>
+              <a:ext uri="{FF2B5EF4-FFF2-40B4-BE49-F238E27FC236}">
+                <a16:creationId xmlns:a16="http://schemas.microsoft.com/office/drawing/2014/main" id="{4ACBBD55-ECE4-4078-A932-88CB2CE0DD48}"/>
+              </a:ext>
+            </a:extLst>
+          </p:cNvPr>
+          <p:cNvSpPr/>
+          <p:nvPr/>
+        </p:nvSpPr>
+        <p:spPr>
+          <a:xfrm>
+            <a:off x="1073001" y="4376629"/>
+            <a:ext cx="990000" cy="180000"/>
+          </a:xfrm>
+          <a:prstGeom prst="rect">
+            <a:avLst/>
+          </a:prstGeom>
+          <a:noFill/>
+          <a:ln w="38100">
+            <a:solidFill>
+              <a:srgbClr val="00B050"/>
+            </a:solidFill>
+          </a:ln>
+        </p:spPr>
+        <p:style>
+          <a:lnRef idx="2">
+            <a:schemeClr val="accent1">
+              <a:shade val="50000"/>
+            </a:schemeClr>
+          </a:lnRef>
+          <a:fillRef idx="1">
+            <a:schemeClr val="accent1"/>
+          </a:fillRef>
+          <a:effectRef idx="0">
+            <a:schemeClr val="accent1"/>
+          </a:effectRef>
+          <a:fontRef idx="minor">
+            <a:schemeClr val="lt1"/>
+          </a:fontRef>
+        </p:style>
+        <p:txBody>
+          <a:bodyPr rtlCol="0" anchor="ctr"/>
+          <a:lstStyle/>
+          <a:p>
+            <a:pPr algn="ctr"/>
+            <a:endParaRPr lang="zh-TW" altLang="en-US"/>
+          </a:p>
+        </p:txBody>
+      </p:sp>
+      <p:sp>
+        <p:nvSpPr>
+          <p:cNvPr id="9" name="矩形 8">
+            <a:extLst>
+              <a:ext uri="{FF2B5EF4-FFF2-40B4-BE49-F238E27FC236}">
+                <a16:creationId xmlns:a16="http://schemas.microsoft.com/office/drawing/2014/main" id="{913DBBC3-563E-4A1C-92B5-617F970FC01C}"/>
+              </a:ext>
+            </a:extLst>
+          </p:cNvPr>
+          <p:cNvSpPr/>
+          <p:nvPr/>
+        </p:nvSpPr>
+        <p:spPr>
+          <a:xfrm>
+            <a:off x="8369151" y="3843102"/>
+            <a:ext cx="3690000" cy="180000"/>
+          </a:xfrm>
+          <a:prstGeom prst="rect">
+            <a:avLst/>
+          </a:prstGeom>
+          <a:noFill/>
+          <a:ln w="38100">
+            <a:solidFill>
+              <a:srgbClr val="FF0000"/>
+            </a:solidFill>
+          </a:ln>
+        </p:spPr>
+        <p:style>
+          <a:lnRef idx="2">
+            <a:schemeClr val="accent1">
+              <a:shade val="50000"/>
+            </a:schemeClr>
+          </a:lnRef>
+          <a:fillRef idx="1">
+            <a:schemeClr val="accent1"/>
+          </a:fillRef>
+          <a:effectRef idx="0">
+            <a:schemeClr val="accent1"/>
+          </a:effectRef>
+          <a:fontRef idx="minor">
+            <a:schemeClr val="lt1"/>
+          </a:fontRef>
+        </p:style>
+        <p:txBody>
+          <a:bodyPr rtlCol="0" anchor="ctr"/>
+          <a:lstStyle/>
+          <a:p>
+            <a:pPr algn="ctr"/>
+            <a:endParaRPr lang="zh-TW" altLang="en-US"/>
+          </a:p>
+        </p:txBody>
+      </p:sp>
+      <p:sp>
+        <p:nvSpPr>
+          <p:cNvPr id="10" name="矩形 9">
+            <a:extLst>
+              <a:ext uri="{FF2B5EF4-FFF2-40B4-BE49-F238E27FC236}">
+                <a16:creationId xmlns:a16="http://schemas.microsoft.com/office/drawing/2014/main" id="{CFF924D0-3F48-4D2E-8316-A0F7908BA718}"/>
+              </a:ext>
+            </a:extLst>
+          </p:cNvPr>
+          <p:cNvSpPr/>
+          <p:nvPr/>
+        </p:nvSpPr>
+        <p:spPr>
+          <a:xfrm>
+            <a:off x="8369151" y="4111108"/>
+            <a:ext cx="3690000" cy="180000"/>
+          </a:xfrm>
+          <a:prstGeom prst="rect">
+            <a:avLst/>
+          </a:prstGeom>
+          <a:noFill/>
+          <a:ln w="38100">
+            <a:solidFill>
+              <a:srgbClr val="FF0000"/>
+            </a:solidFill>
+          </a:ln>
+        </p:spPr>
+        <p:style>
+          <a:lnRef idx="2">
+            <a:schemeClr val="accent1">
+              <a:shade val="50000"/>
+            </a:schemeClr>
+          </a:lnRef>
+          <a:fillRef idx="1">
+            <a:schemeClr val="accent1"/>
+          </a:fillRef>
+          <a:effectRef idx="0">
+            <a:schemeClr val="accent1"/>
+          </a:effectRef>
+          <a:fontRef idx="minor">
+            <a:schemeClr val="lt1"/>
+          </a:fontRef>
+        </p:style>
+        <p:txBody>
+          <a:bodyPr rtlCol="0" anchor="ctr"/>
+          <a:lstStyle/>
+          <a:p>
+            <a:pPr algn="ctr"/>
+            <a:endParaRPr lang="zh-TW" altLang="en-US"/>
+          </a:p>
+        </p:txBody>
+      </p:sp>
+      <p:sp>
+        <p:nvSpPr>
+          <p:cNvPr id="11" name="矩形 10">
+            <a:extLst>
+              <a:ext uri="{FF2B5EF4-FFF2-40B4-BE49-F238E27FC236}">
+                <a16:creationId xmlns:a16="http://schemas.microsoft.com/office/drawing/2014/main" id="{EB2F3B1B-6D31-4019-AF95-381D6DE6771D}"/>
+              </a:ext>
+            </a:extLst>
+          </p:cNvPr>
+          <p:cNvSpPr/>
+          <p:nvPr/>
+        </p:nvSpPr>
+        <p:spPr>
+          <a:xfrm>
+            <a:off x="8369151" y="4379114"/>
+            <a:ext cx="3690000" cy="180000"/>
+          </a:xfrm>
+          <a:prstGeom prst="rect">
+            <a:avLst/>
+          </a:prstGeom>
+          <a:noFill/>
+          <a:ln w="38100">
+            <a:solidFill>
+              <a:srgbClr val="FF0000"/>
+            </a:solidFill>
+          </a:ln>
+        </p:spPr>
+        <p:style>
+          <a:lnRef idx="2">
+            <a:schemeClr val="accent1">
+              <a:shade val="50000"/>
+            </a:schemeClr>
+          </a:lnRef>
+          <a:fillRef idx="1">
+            <a:schemeClr val="accent1"/>
+          </a:fillRef>
+          <a:effectRef idx="0">
+            <a:schemeClr val="accent1"/>
+          </a:effectRef>
+          <a:fontRef idx="minor">
+            <a:schemeClr val="lt1"/>
+          </a:fontRef>
+        </p:style>
+        <p:txBody>
+          <a:bodyPr rtlCol="0" anchor="ctr"/>
+          <a:lstStyle/>
+          <a:p>
+            <a:pPr algn="ctr"/>
+            <a:endParaRPr lang="zh-TW" altLang="en-US"/>
+          </a:p>
+        </p:txBody>
+      </p:sp>
+      <p:sp>
+        <p:nvSpPr>
+          <p:cNvPr id="12" name="文字方塊 11">
+            <a:extLst>
+              <a:ext uri="{FF2B5EF4-FFF2-40B4-BE49-F238E27FC236}">
+                <a16:creationId xmlns:a16="http://schemas.microsoft.com/office/drawing/2014/main" id="{B1E6F709-CA3D-4671-9C92-4A7B767131B0}"/>
+              </a:ext>
+            </a:extLst>
+          </p:cNvPr>
+          <p:cNvSpPr txBox="1"/>
+          <p:nvPr/>
+        </p:nvSpPr>
+        <p:spPr>
+          <a:xfrm>
+            <a:off x="3276600" y="3224408"/>
+            <a:ext cx="377398" cy="369332"/>
+          </a:xfrm>
+          <a:prstGeom prst="rect">
+            <a:avLst/>
+          </a:prstGeom>
+          <a:noFill/>
+        </p:spPr>
+        <p:txBody>
+          <a:bodyPr wrap="square" rtlCol="0">
+            <a:spAutoFit/>
+          </a:bodyPr>
+          <a:lstStyle/>
+          <a:p>
+            <a:r>
+              <a:rPr lang="zh-TW" altLang="en-US" b="1" dirty="0">
+                <a:solidFill>
+                  <a:srgbClr val="00B050"/>
+                </a:solidFill>
+              </a:rPr>
+              <a:t>①</a:t>
+            </a:r>
+          </a:p>
+        </p:txBody>
+      </p:sp>
+      <p:sp>
+        <p:nvSpPr>
+          <p:cNvPr id="13" name="文字方塊 12">
+            <a:extLst>
+              <a:ext uri="{FF2B5EF4-FFF2-40B4-BE49-F238E27FC236}">
+                <a16:creationId xmlns:a16="http://schemas.microsoft.com/office/drawing/2014/main" id="{FBAAC434-019D-4F9A-BD54-477D6C34352F}"/>
+              </a:ext>
+            </a:extLst>
+          </p:cNvPr>
+          <p:cNvSpPr txBox="1"/>
+          <p:nvPr/>
+        </p:nvSpPr>
+        <p:spPr>
+          <a:xfrm>
+            <a:off x="10006402" y="4828102"/>
+            <a:ext cx="415498" cy="369332"/>
+          </a:xfrm>
+          <a:prstGeom prst="rect">
+            <a:avLst/>
+          </a:prstGeom>
+          <a:noFill/>
+        </p:spPr>
+        <p:txBody>
+          <a:bodyPr wrap="none" rtlCol="0">
+            <a:spAutoFit/>
+          </a:bodyPr>
+          <a:lstStyle/>
+          <a:p>
+            <a:r>
+              <a:rPr lang="zh-TW" altLang="en-US" b="1" dirty="0">
+                <a:solidFill>
+                  <a:srgbClr val="FF0000"/>
+                </a:solidFill>
+              </a:rPr>
+              <a:t>②</a:t>
+            </a:r>
+          </a:p>
+        </p:txBody>
+      </p:sp>
+      <p:pic>
+        <p:nvPicPr>
+          <p:cNvPr id="14" name="圖片 13">
+            <a:extLst>
+              <a:ext uri="{FF2B5EF4-FFF2-40B4-BE49-F238E27FC236}">
+                <a16:creationId xmlns:a16="http://schemas.microsoft.com/office/drawing/2014/main" id="{740A822B-702B-44F0-8C40-344069EC322F}"/>
+              </a:ext>
+            </a:extLst>
+          </p:cNvPr>
+          <p:cNvPicPr>
+            <a:picLocks noChangeAspect="1"/>
+          </p:cNvPicPr>
+          <p:nvPr/>
+        </p:nvPicPr>
+        <p:blipFill>
+          <a:blip r:embed="rId3"/>
+          <a:stretch>
+            <a:fillRect/>
+          </a:stretch>
+        </p:blipFill>
+        <p:spPr>
+          <a:xfrm>
+            <a:off x="4733646" y="-222916"/>
+            <a:ext cx="2606953" cy="4133434"/>
+          </a:xfrm>
+          <a:prstGeom prst="rect">
+            <a:avLst/>
+          </a:prstGeom>
+          <a:ln w="38100" cap="sq">
+            <a:solidFill>
+              <a:srgbClr val="000000"/>
+            </a:solidFill>
+            <a:prstDash val="solid"/>
+            <a:miter lim="800000"/>
+          </a:ln>
+          <a:effectLst>
+            <a:outerShdw blurRad="50800" dist="38100" dir="2700000" algn="tl" rotWithShape="0">
+              <a:srgbClr val="000000">
+                <a:alpha val="43000"/>
+              </a:srgbClr>
+            </a:outerShdw>
+          </a:effectLst>
+        </p:spPr>
+      </p:pic>
+      <p:sp>
+        <p:nvSpPr>
+          <p:cNvPr id="15" name="矩形 14">
+            <a:extLst>
+              <a:ext uri="{FF2B5EF4-FFF2-40B4-BE49-F238E27FC236}">
+                <a16:creationId xmlns:a16="http://schemas.microsoft.com/office/drawing/2014/main" id="{974E535A-FA30-4DDD-9852-DCD9CEF1BA02}"/>
+              </a:ext>
+            </a:extLst>
+          </p:cNvPr>
+          <p:cNvSpPr/>
+          <p:nvPr/>
+        </p:nvSpPr>
+        <p:spPr>
+          <a:xfrm>
+            <a:off x="5685200" y="345417"/>
+            <a:ext cx="720000" cy="360000"/>
+          </a:xfrm>
+          <a:prstGeom prst="rect">
+            <a:avLst/>
+          </a:prstGeom>
+          <a:noFill/>
+          <a:ln w="38100">
+            <a:solidFill>
+              <a:srgbClr val="00B050"/>
+            </a:solidFill>
+          </a:ln>
+        </p:spPr>
+        <p:style>
+          <a:lnRef idx="2">
+            <a:schemeClr val="accent1">
+              <a:shade val="50000"/>
+            </a:schemeClr>
+          </a:lnRef>
+          <a:fillRef idx="1">
+            <a:schemeClr val="accent1"/>
+          </a:fillRef>
+          <a:effectRef idx="0">
+            <a:schemeClr val="accent1"/>
+          </a:effectRef>
+          <a:fontRef idx="minor">
+            <a:schemeClr val="lt1"/>
+          </a:fontRef>
+        </p:style>
+        <p:txBody>
+          <a:bodyPr rtlCol="0" anchor="ctr"/>
+          <a:lstStyle/>
+          <a:p>
+            <a:pPr algn="ctr"/>
+            <a:endParaRPr lang="zh-TW" altLang="en-US"/>
+          </a:p>
+        </p:txBody>
+      </p:sp>
+      <p:cxnSp>
+        <p:nvCxnSpPr>
+          <p:cNvPr id="17" name="直線單箭頭接點 16">
+            <a:extLst>
+              <a:ext uri="{FF2B5EF4-FFF2-40B4-BE49-F238E27FC236}">
+                <a16:creationId xmlns:a16="http://schemas.microsoft.com/office/drawing/2014/main" id="{F9F27179-2751-41B6-856A-14A735DBAF1F}"/>
+              </a:ext>
+            </a:extLst>
+          </p:cNvPr>
+          <p:cNvCxnSpPr>
+            <a:cxnSpLocks/>
+          </p:cNvCxnSpPr>
+          <p:nvPr/>
+        </p:nvCxnSpPr>
+        <p:spPr>
+          <a:xfrm flipH="1">
+            <a:off x="3987800" y="835845"/>
+            <a:ext cx="1828800" cy="2573229"/>
+          </a:xfrm>
+          <a:prstGeom prst="straightConnector1">
+            <a:avLst/>
+          </a:prstGeom>
+          <a:ln w="38100">
+            <a:solidFill>
+              <a:srgbClr val="00B050"/>
+            </a:solidFill>
+            <a:headEnd type="arrow" w="med" len="med"/>
+            <a:tailEnd type="arrow" w="med" len="med"/>
+          </a:ln>
+        </p:spPr>
+        <p:style>
+          <a:lnRef idx="1">
+            <a:schemeClr val="accent1"/>
+          </a:lnRef>
+          <a:fillRef idx="0">
+            <a:schemeClr val="accent1"/>
+          </a:fillRef>
+          <a:effectRef idx="0">
+            <a:schemeClr val="accent1"/>
+          </a:effectRef>
+          <a:fontRef idx="minor">
+            <a:schemeClr val="tx1"/>
+          </a:fontRef>
+        </p:style>
+      </p:cxnSp>
+      <p:sp>
+        <p:nvSpPr>
+          <p:cNvPr id="19" name="矩形 18">
+            <a:extLst>
+              <a:ext uri="{FF2B5EF4-FFF2-40B4-BE49-F238E27FC236}">
+                <a16:creationId xmlns:a16="http://schemas.microsoft.com/office/drawing/2014/main" id="{8E32BB75-3463-44B3-8F73-96BC131148DC}"/>
+              </a:ext>
+            </a:extLst>
+          </p:cNvPr>
+          <p:cNvSpPr/>
+          <p:nvPr/>
+        </p:nvSpPr>
+        <p:spPr>
+          <a:xfrm>
+            <a:off x="1073001" y="4634419"/>
+            <a:ext cx="990000" cy="180000"/>
+          </a:xfrm>
+          <a:prstGeom prst="rect">
+            <a:avLst/>
+          </a:prstGeom>
+          <a:noFill/>
+          <a:ln w="38100">
+            <a:solidFill>
+              <a:srgbClr val="00B050"/>
+            </a:solidFill>
+          </a:ln>
+        </p:spPr>
+        <p:style>
+          <a:lnRef idx="2">
+            <a:schemeClr val="accent1">
+              <a:shade val="50000"/>
+            </a:schemeClr>
+          </a:lnRef>
+          <a:fillRef idx="1">
+            <a:schemeClr val="accent1"/>
+          </a:fillRef>
+          <a:effectRef idx="0">
+            <a:schemeClr val="accent1"/>
+          </a:effectRef>
+          <a:fontRef idx="minor">
+            <a:schemeClr val="lt1"/>
+          </a:fontRef>
+        </p:style>
+        <p:txBody>
+          <a:bodyPr rtlCol="0" anchor="ctr"/>
+          <a:lstStyle/>
+          <a:p>
+            <a:pPr algn="ctr"/>
+            <a:endParaRPr lang="zh-TW" altLang="en-US"/>
+          </a:p>
+        </p:txBody>
+      </p:sp>
+      <p:sp>
+        <p:nvSpPr>
+          <p:cNvPr id="20" name="矩形 19">
+            <a:extLst>
+              <a:ext uri="{FF2B5EF4-FFF2-40B4-BE49-F238E27FC236}">
+                <a16:creationId xmlns:a16="http://schemas.microsoft.com/office/drawing/2014/main" id="{D743D3DC-EA1B-4651-914C-5CE0B0FF1969}"/>
+              </a:ext>
+            </a:extLst>
+          </p:cNvPr>
+          <p:cNvSpPr/>
+          <p:nvPr/>
+        </p:nvSpPr>
+        <p:spPr>
+          <a:xfrm>
+            <a:off x="8369151" y="4647119"/>
+            <a:ext cx="3690000" cy="180000"/>
+          </a:xfrm>
+          <a:prstGeom prst="rect">
+            <a:avLst/>
+          </a:prstGeom>
+          <a:noFill/>
+          <a:ln w="38100">
+            <a:solidFill>
+              <a:srgbClr val="FF0000"/>
+            </a:solidFill>
+          </a:ln>
+        </p:spPr>
+        <p:style>
+          <a:lnRef idx="2">
+            <a:schemeClr val="accent1">
+              <a:shade val="50000"/>
+            </a:schemeClr>
+          </a:lnRef>
+          <a:fillRef idx="1">
+            <a:schemeClr val="accent1"/>
+          </a:fillRef>
+          <a:effectRef idx="0">
+            <a:schemeClr val="accent1"/>
+          </a:effectRef>
+          <a:fontRef idx="minor">
+            <a:schemeClr val="lt1"/>
+          </a:fontRef>
+        </p:style>
+        <p:txBody>
+          <a:bodyPr rtlCol="0" anchor="ctr"/>
+          <a:lstStyle/>
+          <a:p>
+            <a:pPr algn="ctr"/>
+            <a:endParaRPr lang="zh-TW" altLang="en-US"/>
+          </a:p>
+        </p:txBody>
+      </p:sp>
+      <p:sp>
+        <p:nvSpPr>
+          <p:cNvPr id="21" name="矩形 20">
+            <a:extLst>
+              <a:ext uri="{FF2B5EF4-FFF2-40B4-BE49-F238E27FC236}">
+                <a16:creationId xmlns:a16="http://schemas.microsoft.com/office/drawing/2014/main" id="{5CBAE748-B8AB-488B-BF03-362B6E10D651}"/>
+              </a:ext>
+            </a:extLst>
+          </p:cNvPr>
+          <p:cNvSpPr/>
+          <p:nvPr/>
+        </p:nvSpPr>
+        <p:spPr>
+          <a:xfrm>
+            <a:off x="8369151" y="3575096"/>
+            <a:ext cx="3690000" cy="180000"/>
+          </a:xfrm>
+          <a:prstGeom prst="rect">
+            <a:avLst/>
+          </a:prstGeom>
+          <a:noFill/>
+          <a:ln w="38100">
+            <a:solidFill>
+              <a:srgbClr val="00B050"/>
+            </a:solidFill>
+          </a:ln>
+        </p:spPr>
+        <p:style>
+          <a:lnRef idx="2">
+            <a:schemeClr val="accent1">
+              <a:shade val="50000"/>
+            </a:schemeClr>
+          </a:lnRef>
+          <a:fillRef idx="1">
+            <a:schemeClr val="accent1"/>
+          </a:fillRef>
+          <a:effectRef idx="0">
+            <a:schemeClr val="accent1"/>
+          </a:effectRef>
+          <a:fontRef idx="minor">
+            <a:schemeClr val="lt1"/>
+          </a:fontRef>
+        </p:style>
+        <p:txBody>
+          <a:bodyPr rtlCol="0" anchor="ctr"/>
+          <a:lstStyle/>
+          <a:p>
+            <a:pPr algn="ctr"/>
+            <a:endParaRPr lang="zh-TW" altLang="en-US"/>
+          </a:p>
+        </p:txBody>
+      </p:sp>
     </p:spTree>
     <p:extLst>
       <p:ext uri="{BB962C8B-B14F-4D97-AF65-F5344CB8AC3E}">
-        <p14:creationId xmlns:p14="http://schemas.microsoft.com/office/powerpoint/2010/main" val="2678526272"/>
+        <p14:creationId xmlns:p14="http://schemas.microsoft.com/office/powerpoint/2010/main" val="3633217814"/>
       </p:ext>
     </p:extLst>
   </p:cSld>
@@ -3453,10 +4296,592 @@
           <a:chExt cx="0" cy="0"/>
         </a:xfrm>
       </p:grpSpPr>
+      <p:pic>
+        <p:nvPicPr>
+          <p:cNvPr id="9" name="圖片 8">
+            <a:extLst>
+              <a:ext uri="{FF2B5EF4-FFF2-40B4-BE49-F238E27FC236}">
+                <a16:creationId xmlns:a16="http://schemas.microsoft.com/office/drawing/2014/main" id="{69AEDD5D-4C9F-4C25-8EC1-BB3480CC4615}"/>
+              </a:ext>
+            </a:extLst>
+          </p:cNvPr>
+          <p:cNvPicPr>
+            <a:picLocks noChangeAspect="1"/>
+          </p:cNvPicPr>
+          <p:nvPr/>
+        </p:nvPicPr>
+        <p:blipFill>
+          <a:blip r:embed="rId2"/>
+          <a:stretch>
+            <a:fillRect/>
+          </a:stretch>
+        </p:blipFill>
+        <p:spPr>
+          <a:xfrm>
+            <a:off x="563562" y="295275"/>
+            <a:ext cx="3952875" cy="6267450"/>
+          </a:xfrm>
+          <a:prstGeom prst="rect">
+            <a:avLst/>
+          </a:prstGeom>
+        </p:spPr>
+      </p:pic>
+      <p:sp>
+        <p:nvSpPr>
+          <p:cNvPr id="4" name="矩形 3">
+            <a:extLst>
+              <a:ext uri="{FF2B5EF4-FFF2-40B4-BE49-F238E27FC236}">
+                <a16:creationId xmlns:a16="http://schemas.microsoft.com/office/drawing/2014/main" id="{486E87DE-9595-4A55-A29C-C6472FD30044}"/>
+              </a:ext>
+            </a:extLst>
+          </p:cNvPr>
+          <p:cNvSpPr/>
+          <p:nvPr/>
+        </p:nvSpPr>
+        <p:spPr>
+          <a:xfrm>
+            <a:off x="3668142" y="572892"/>
+            <a:ext cx="450000" cy="450000"/>
+          </a:xfrm>
+          <a:prstGeom prst="rect">
+            <a:avLst/>
+          </a:prstGeom>
+          <a:noFill/>
+          <a:ln w="38100">
+            <a:solidFill>
+              <a:srgbClr val="FF0000"/>
+            </a:solidFill>
+          </a:ln>
+        </p:spPr>
+        <p:style>
+          <a:lnRef idx="2">
+            <a:schemeClr val="accent1">
+              <a:shade val="50000"/>
+            </a:schemeClr>
+          </a:lnRef>
+          <a:fillRef idx="1">
+            <a:schemeClr val="accent1"/>
+          </a:fillRef>
+          <a:effectRef idx="0">
+            <a:schemeClr val="accent1"/>
+          </a:effectRef>
+          <a:fontRef idx="minor">
+            <a:schemeClr val="lt1"/>
+          </a:fontRef>
+        </p:style>
+        <p:txBody>
+          <a:bodyPr rtlCol="0" anchor="ctr"/>
+          <a:lstStyle/>
+          <a:p>
+            <a:pPr algn="ctr"/>
+            <a:endParaRPr lang="zh-TW" altLang="en-US"/>
+          </a:p>
+        </p:txBody>
+      </p:sp>
+      <p:cxnSp>
+        <p:nvCxnSpPr>
+          <p:cNvPr id="5" name="直線單箭頭接點 4">
+            <a:extLst>
+              <a:ext uri="{FF2B5EF4-FFF2-40B4-BE49-F238E27FC236}">
+                <a16:creationId xmlns:a16="http://schemas.microsoft.com/office/drawing/2014/main" id="{0A272686-285B-4FF1-9BA5-55C29BE6FA3B}"/>
+              </a:ext>
+            </a:extLst>
+          </p:cNvPr>
+          <p:cNvCxnSpPr>
+            <a:cxnSpLocks/>
+          </p:cNvCxnSpPr>
+          <p:nvPr/>
+        </p:nvCxnSpPr>
+        <p:spPr>
+          <a:xfrm flipH="1">
+            <a:off x="2667000" y="1133198"/>
+            <a:ext cx="1167002" cy="1521102"/>
+          </a:xfrm>
+          <a:prstGeom prst="straightConnector1">
+            <a:avLst/>
+          </a:prstGeom>
+          <a:ln w="57150">
+            <a:solidFill>
+              <a:srgbClr val="FF0000"/>
+            </a:solidFill>
+            <a:headEnd type="none" w="med" len="med"/>
+            <a:tailEnd type="arrow" w="med" len="med"/>
+          </a:ln>
+        </p:spPr>
+        <p:style>
+          <a:lnRef idx="1">
+            <a:schemeClr val="accent1"/>
+          </a:lnRef>
+          <a:fillRef idx="0">
+            <a:schemeClr val="accent1"/>
+          </a:fillRef>
+          <a:effectRef idx="0">
+            <a:schemeClr val="accent1"/>
+          </a:effectRef>
+          <a:fontRef idx="minor">
+            <a:schemeClr val="tx1"/>
+          </a:fontRef>
+        </p:style>
+      </p:cxnSp>
+      <p:sp>
+        <p:nvSpPr>
+          <p:cNvPr id="6" name="矩形 5">
+            <a:extLst>
+              <a:ext uri="{FF2B5EF4-FFF2-40B4-BE49-F238E27FC236}">
+                <a16:creationId xmlns:a16="http://schemas.microsoft.com/office/drawing/2014/main" id="{9E57499D-9859-4C08-B932-77C183AC2873}"/>
+              </a:ext>
+            </a:extLst>
+          </p:cNvPr>
+          <p:cNvSpPr/>
+          <p:nvPr/>
+        </p:nvSpPr>
+        <p:spPr>
+          <a:xfrm>
+            <a:off x="1102741" y="2833492"/>
+            <a:ext cx="3060000" cy="450000"/>
+          </a:xfrm>
+          <a:prstGeom prst="rect">
+            <a:avLst/>
+          </a:prstGeom>
+          <a:noFill/>
+          <a:ln w="38100">
+            <a:solidFill>
+              <a:srgbClr val="FF0000"/>
+            </a:solidFill>
+          </a:ln>
+        </p:spPr>
+        <p:style>
+          <a:lnRef idx="2">
+            <a:schemeClr val="accent1">
+              <a:shade val="50000"/>
+            </a:schemeClr>
+          </a:lnRef>
+          <a:fillRef idx="1">
+            <a:schemeClr val="accent1"/>
+          </a:fillRef>
+          <a:effectRef idx="0">
+            <a:schemeClr val="accent1"/>
+          </a:effectRef>
+          <a:fontRef idx="minor">
+            <a:schemeClr val="lt1"/>
+          </a:fontRef>
+        </p:style>
+        <p:txBody>
+          <a:bodyPr rtlCol="0" anchor="ctr"/>
+          <a:lstStyle/>
+          <a:p>
+            <a:pPr algn="ctr"/>
+            <a:endParaRPr lang="zh-TW" altLang="en-US"/>
+          </a:p>
+        </p:txBody>
+      </p:sp>
+      <p:pic>
+        <p:nvPicPr>
+          <p:cNvPr id="11" name="圖片 10">
+            <a:extLst>
+              <a:ext uri="{FF2B5EF4-FFF2-40B4-BE49-F238E27FC236}">
+                <a16:creationId xmlns:a16="http://schemas.microsoft.com/office/drawing/2014/main" id="{30786B48-722D-4012-A922-DDEF9301B9E6}"/>
+              </a:ext>
+            </a:extLst>
+          </p:cNvPr>
+          <p:cNvPicPr>
+            <a:picLocks noChangeAspect="1"/>
+          </p:cNvPicPr>
+          <p:nvPr/>
+        </p:nvPicPr>
+        <p:blipFill>
+          <a:blip r:embed="rId3"/>
+          <a:stretch>
+            <a:fillRect/>
+          </a:stretch>
+        </p:blipFill>
+        <p:spPr>
+          <a:xfrm>
+            <a:off x="4346320" y="295275"/>
+            <a:ext cx="3952875" cy="6267450"/>
+          </a:xfrm>
+          <a:prstGeom prst="rect">
+            <a:avLst/>
+          </a:prstGeom>
+        </p:spPr>
+      </p:pic>
+      <p:sp>
+        <p:nvSpPr>
+          <p:cNvPr id="12" name="矩形 11">
+            <a:extLst>
+              <a:ext uri="{FF2B5EF4-FFF2-40B4-BE49-F238E27FC236}">
+                <a16:creationId xmlns:a16="http://schemas.microsoft.com/office/drawing/2014/main" id="{0146CB83-2B28-4E51-8520-4C5333E43738}"/>
+              </a:ext>
+            </a:extLst>
+          </p:cNvPr>
+          <p:cNvSpPr/>
+          <p:nvPr/>
+        </p:nvSpPr>
+        <p:spPr>
+          <a:xfrm>
+            <a:off x="5814274" y="2546498"/>
+            <a:ext cx="1980000" cy="450000"/>
+          </a:xfrm>
+          <a:prstGeom prst="rect">
+            <a:avLst/>
+          </a:prstGeom>
+          <a:noFill/>
+          <a:ln w="38100">
+            <a:solidFill>
+              <a:srgbClr val="FF0000"/>
+            </a:solidFill>
+          </a:ln>
+        </p:spPr>
+        <p:style>
+          <a:lnRef idx="2">
+            <a:schemeClr val="accent1">
+              <a:shade val="50000"/>
+            </a:schemeClr>
+          </a:lnRef>
+          <a:fillRef idx="1">
+            <a:schemeClr val="accent1"/>
+          </a:fillRef>
+          <a:effectRef idx="0">
+            <a:schemeClr val="accent1"/>
+          </a:effectRef>
+          <a:fontRef idx="minor">
+            <a:schemeClr val="lt1"/>
+          </a:fontRef>
+        </p:style>
+        <p:txBody>
+          <a:bodyPr rtlCol="0" anchor="ctr"/>
+          <a:lstStyle/>
+          <a:p>
+            <a:pPr algn="ctr"/>
+            <a:endParaRPr lang="zh-TW" altLang="en-US"/>
+          </a:p>
+        </p:txBody>
+      </p:sp>
+      <p:sp>
+        <p:nvSpPr>
+          <p:cNvPr id="13" name="矩形 12">
+            <a:extLst>
+              <a:ext uri="{FF2B5EF4-FFF2-40B4-BE49-F238E27FC236}">
+                <a16:creationId xmlns:a16="http://schemas.microsoft.com/office/drawing/2014/main" id="{693B8FFF-0150-4B79-B3E5-DFE63CB6D401}"/>
+              </a:ext>
+            </a:extLst>
+          </p:cNvPr>
+          <p:cNvSpPr/>
+          <p:nvPr/>
+        </p:nvSpPr>
+        <p:spPr>
+          <a:xfrm>
+            <a:off x="4785573" y="3676798"/>
+            <a:ext cx="3060000" cy="450000"/>
+          </a:xfrm>
+          <a:prstGeom prst="rect">
+            <a:avLst/>
+          </a:prstGeom>
+          <a:noFill/>
+          <a:ln w="38100">
+            <a:solidFill>
+              <a:srgbClr val="FF0000"/>
+            </a:solidFill>
+          </a:ln>
+        </p:spPr>
+        <p:style>
+          <a:lnRef idx="2">
+            <a:schemeClr val="accent1">
+              <a:shade val="50000"/>
+            </a:schemeClr>
+          </a:lnRef>
+          <a:fillRef idx="1">
+            <a:schemeClr val="accent1"/>
+          </a:fillRef>
+          <a:effectRef idx="0">
+            <a:schemeClr val="accent1"/>
+          </a:effectRef>
+          <a:fontRef idx="minor">
+            <a:schemeClr val="lt1"/>
+          </a:fontRef>
+        </p:style>
+        <p:txBody>
+          <a:bodyPr rtlCol="0" anchor="ctr"/>
+          <a:lstStyle/>
+          <a:p>
+            <a:pPr algn="ctr"/>
+            <a:endParaRPr lang="zh-TW" altLang="en-US"/>
+          </a:p>
+        </p:txBody>
+      </p:sp>
+      <p:cxnSp>
+        <p:nvCxnSpPr>
+          <p:cNvPr id="14" name="直線單箭頭接點 13">
+            <a:extLst>
+              <a:ext uri="{FF2B5EF4-FFF2-40B4-BE49-F238E27FC236}">
+                <a16:creationId xmlns:a16="http://schemas.microsoft.com/office/drawing/2014/main" id="{5E10C0D0-D893-4D6C-924D-6E01FFDC5276}"/>
+              </a:ext>
+            </a:extLst>
+          </p:cNvPr>
+          <p:cNvCxnSpPr>
+            <a:cxnSpLocks/>
+          </p:cNvCxnSpPr>
+          <p:nvPr/>
+        </p:nvCxnSpPr>
+        <p:spPr>
+          <a:xfrm flipV="1">
+            <a:off x="4312254" y="2820792"/>
+            <a:ext cx="1663286" cy="225000"/>
+          </a:xfrm>
+          <a:prstGeom prst="straightConnector1">
+            <a:avLst/>
+          </a:prstGeom>
+          <a:ln w="57150">
+            <a:solidFill>
+              <a:srgbClr val="FF0000"/>
+            </a:solidFill>
+            <a:headEnd type="none" w="med" len="med"/>
+            <a:tailEnd type="arrow" w="med" len="med"/>
+          </a:ln>
+        </p:spPr>
+        <p:style>
+          <a:lnRef idx="1">
+            <a:schemeClr val="accent1"/>
+          </a:lnRef>
+          <a:fillRef idx="0">
+            <a:schemeClr val="accent1"/>
+          </a:fillRef>
+          <a:effectRef idx="0">
+            <a:schemeClr val="accent1"/>
+          </a:effectRef>
+          <a:fontRef idx="minor">
+            <a:schemeClr val="tx1"/>
+          </a:fontRef>
+        </p:style>
+      </p:cxnSp>
+      <p:cxnSp>
+        <p:nvCxnSpPr>
+          <p:cNvPr id="16" name="直線單箭頭接點 15">
+            <a:extLst>
+              <a:ext uri="{FF2B5EF4-FFF2-40B4-BE49-F238E27FC236}">
+                <a16:creationId xmlns:a16="http://schemas.microsoft.com/office/drawing/2014/main" id="{FF7D9F09-9D73-4CD2-A419-C9C6D016F18F}"/>
+              </a:ext>
+            </a:extLst>
+          </p:cNvPr>
+          <p:cNvCxnSpPr>
+            <a:cxnSpLocks/>
+          </p:cNvCxnSpPr>
+          <p:nvPr/>
+        </p:nvCxnSpPr>
+        <p:spPr>
+          <a:xfrm flipH="1">
+            <a:off x="6322757" y="3108998"/>
+            <a:ext cx="313152" cy="518506"/>
+          </a:xfrm>
+          <a:prstGeom prst="straightConnector1">
+            <a:avLst/>
+          </a:prstGeom>
+          <a:ln w="57150">
+            <a:solidFill>
+              <a:srgbClr val="FF0000"/>
+            </a:solidFill>
+            <a:headEnd type="none" w="med" len="med"/>
+            <a:tailEnd type="arrow" w="med" len="med"/>
+          </a:ln>
+        </p:spPr>
+        <p:style>
+          <a:lnRef idx="1">
+            <a:schemeClr val="accent1"/>
+          </a:lnRef>
+          <a:fillRef idx="0">
+            <a:schemeClr val="accent1"/>
+          </a:fillRef>
+          <a:effectRef idx="0">
+            <a:schemeClr val="accent1"/>
+          </a:effectRef>
+          <a:fontRef idx="minor">
+            <a:schemeClr val="tx1"/>
+          </a:fontRef>
+        </p:style>
+      </p:cxnSp>
+      <p:sp>
+        <p:nvSpPr>
+          <p:cNvPr id="18" name="矩形 17">
+            <a:extLst>
+              <a:ext uri="{FF2B5EF4-FFF2-40B4-BE49-F238E27FC236}">
+                <a16:creationId xmlns:a16="http://schemas.microsoft.com/office/drawing/2014/main" id="{131FA172-589A-41DA-91A1-85FAF5419E23}"/>
+              </a:ext>
+            </a:extLst>
+          </p:cNvPr>
+          <p:cNvSpPr/>
+          <p:nvPr/>
+        </p:nvSpPr>
+        <p:spPr>
+          <a:xfrm>
+            <a:off x="6378300" y="4469304"/>
+            <a:ext cx="1440000" cy="630000"/>
+          </a:xfrm>
+          <a:prstGeom prst="rect">
+            <a:avLst/>
+          </a:prstGeom>
+          <a:noFill/>
+          <a:ln w="38100">
+            <a:solidFill>
+              <a:srgbClr val="FF0000"/>
+            </a:solidFill>
+          </a:ln>
+        </p:spPr>
+        <p:style>
+          <a:lnRef idx="2">
+            <a:schemeClr val="accent1">
+              <a:shade val="50000"/>
+            </a:schemeClr>
+          </a:lnRef>
+          <a:fillRef idx="1">
+            <a:schemeClr val="accent1"/>
+          </a:fillRef>
+          <a:effectRef idx="0">
+            <a:schemeClr val="accent1"/>
+          </a:effectRef>
+          <a:fontRef idx="minor">
+            <a:schemeClr val="lt1"/>
+          </a:fontRef>
+        </p:style>
+        <p:txBody>
+          <a:bodyPr rtlCol="0" anchor="ctr"/>
+          <a:lstStyle/>
+          <a:p>
+            <a:pPr algn="ctr"/>
+            <a:endParaRPr lang="zh-TW" altLang="en-US"/>
+          </a:p>
+        </p:txBody>
+      </p:sp>
+      <p:cxnSp>
+        <p:nvCxnSpPr>
+          <p:cNvPr id="19" name="直線單箭頭接點 18">
+            <a:extLst>
+              <a:ext uri="{FF2B5EF4-FFF2-40B4-BE49-F238E27FC236}">
+                <a16:creationId xmlns:a16="http://schemas.microsoft.com/office/drawing/2014/main" id="{5C50FD2D-152A-4C66-9CE2-A439654969E0}"/>
+              </a:ext>
+            </a:extLst>
+          </p:cNvPr>
+          <p:cNvCxnSpPr>
+            <a:cxnSpLocks/>
+          </p:cNvCxnSpPr>
+          <p:nvPr/>
+        </p:nvCxnSpPr>
+        <p:spPr>
+          <a:xfrm>
+            <a:off x="5964217" y="4171951"/>
+            <a:ext cx="333189" cy="518506"/>
+          </a:xfrm>
+          <a:prstGeom prst="straightConnector1">
+            <a:avLst/>
+          </a:prstGeom>
+          <a:ln w="57150">
+            <a:solidFill>
+              <a:srgbClr val="FF0000"/>
+            </a:solidFill>
+            <a:headEnd type="none" w="med" len="med"/>
+            <a:tailEnd type="arrow" w="med" len="med"/>
+          </a:ln>
+        </p:spPr>
+        <p:style>
+          <a:lnRef idx="1">
+            <a:schemeClr val="accent1"/>
+          </a:lnRef>
+          <a:fillRef idx="0">
+            <a:schemeClr val="accent1"/>
+          </a:fillRef>
+          <a:effectRef idx="0">
+            <a:schemeClr val="accent1"/>
+          </a:effectRef>
+          <a:fontRef idx="minor">
+            <a:schemeClr val="tx1"/>
+          </a:fontRef>
+        </p:style>
+      </p:cxnSp>
+      <p:pic>
+        <p:nvPicPr>
+          <p:cNvPr id="23" name="圖片 22">
+            <a:extLst>
+              <a:ext uri="{FF2B5EF4-FFF2-40B4-BE49-F238E27FC236}">
+                <a16:creationId xmlns:a16="http://schemas.microsoft.com/office/drawing/2014/main" id="{B436E55A-A3E9-4C72-910C-FCC094980104}"/>
+              </a:ext>
+            </a:extLst>
+          </p:cNvPr>
+          <p:cNvPicPr>
+            <a:picLocks noChangeAspect="1"/>
+          </p:cNvPicPr>
+          <p:nvPr/>
+        </p:nvPicPr>
+        <p:blipFill>
+          <a:blip r:embed="rId4"/>
+          <a:stretch>
+            <a:fillRect/>
+          </a:stretch>
+        </p:blipFill>
+        <p:spPr>
+          <a:xfrm>
+            <a:off x="8112029" y="295275"/>
+            <a:ext cx="3952875" cy="6267450"/>
+          </a:xfrm>
+          <a:prstGeom prst="rect">
+            <a:avLst/>
+          </a:prstGeom>
+        </p:spPr>
+      </p:pic>
+      <p:sp>
+        <p:nvSpPr>
+          <p:cNvPr id="24" name="矩形 23">
+            <a:extLst>
+              <a:ext uri="{FF2B5EF4-FFF2-40B4-BE49-F238E27FC236}">
+                <a16:creationId xmlns:a16="http://schemas.microsoft.com/office/drawing/2014/main" id="{B337CB75-5086-4C37-B61C-365AECB93049}"/>
+              </a:ext>
+            </a:extLst>
+          </p:cNvPr>
+          <p:cNvSpPr/>
+          <p:nvPr/>
+        </p:nvSpPr>
+        <p:spPr>
+          <a:xfrm>
+            <a:off x="9486900" y="1159159"/>
+            <a:ext cx="1260000" cy="540000"/>
+          </a:xfrm>
+          <a:prstGeom prst="rect">
+            <a:avLst/>
+          </a:prstGeom>
+          <a:noFill/>
+          <a:ln w="38100">
+            <a:solidFill>
+              <a:srgbClr val="FF0000"/>
+            </a:solidFill>
+          </a:ln>
+        </p:spPr>
+        <p:style>
+          <a:lnRef idx="2">
+            <a:schemeClr val="accent1">
+              <a:shade val="50000"/>
+            </a:schemeClr>
+          </a:lnRef>
+          <a:fillRef idx="1">
+            <a:schemeClr val="accent1"/>
+          </a:fillRef>
+          <a:effectRef idx="0">
+            <a:schemeClr val="accent1"/>
+          </a:effectRef>
+          <a:fontRef idx="minor">
+            <a:schemeClr val="lt1"/>
+          </a:fontRef>
+        </p:style>
+        <p:txBody>
+          <a:bodyPr rtlCol="0" anchor="ctr"/>
+          <a:lstStyle/>
+          <a:p>
+            <a:pPr algn="ctr"/>
+            <a:endParaRPr lang="zh-TW" altLang="en-US"/>
+          </a:p>
+        </p:txBody>
+      </p:sp>
     </p:spTree>
     <p:extLst>
       <p:ext uri="{BB962C8B-B14F-4D97-AF65-F5344CB8AC3E}">
-        <p14:creationId xmlns:p14="http://schemas.microsoft.com/office/powerpoint/2010/main" val="3585951177"/>
+        <p14:creationId xmlns:p14="http://schemas.microsoft.com/office/powerpoint/2010/main" val="2678526272"/>
       </p:ext>
     </p:extLst>
   </p:cSld>
@@ -3483,10 +4908,92 @@
           <a:chExt cx="0" cy="0"/>
         </a:xfrm>
       </p:grpSpPr>
+      <p:pic>
+        <p:nvPicPr>
+          <p:cNvPr id="3" name="圖片 2">
+            <a:extLst>
+              <a:ext uri="{FF2B5EF4-FFF2-40B4-BE49-F238E27FC236}">
+                <a16:creationId xmlns:a16="http://schemas.microsoft.com/office/drawing/2014/main" id="{E3E234B5-4563-4A48-BB6B-3E0D817A49F5}"/>
+              </a:ext>
+            </a:extLst>
+          </p:cNvPr>
+          <p:cNvPicPr>
+            <a:picLocks noChangeAspect="1"/>
+          </p:cNvPicPr>
+          <p:nvPr/>
+        </p:nvPicPr>
+        <p:blipFill>
+          <a:blip r:embed="rId2"/>
+          <a:stretch>
+            <a:fillRect/>
+          </a:stretch>
+        </p:blipFill>
+        <p:spPr>
+          <a:xfrm>
+            <a:off x="2718120" y="0"/>
+            <a:ext cx="6755759" cy="6858000"/>
+          </a:xfrm>
+          <a:prstGeom prst="rect">
+            <a:avLst/>
+          </a:prstGeom>
+        </p:spPr>
+      </p:pic>
+      <p:sp>
+        <p:nvSpPr>
+          <p:cNvPr id="4" name="矩形 3">
+            <a:extLst>
+              <a:ext uri="{FF2B5EF4-FFF2-40B4-BE49-F238E27FC236}">
+                <a16:creationId xmlns:a16="http://schemas.microsoft.com/office/drawing/2014/main" id="{7C3CA6A1-BDE0-4D87-853A-0E4315CE322C}"/>
+              </a:ext>
+            </a:extLst>
+          </p:cNvPr>
+          <p:cNvSpPr/>
+          <p:nvPr/>
+        </p:nvSpPr>
+        <p:spPr>
+          <a:xfrm>
+            <a:off x="6311900" y="2010058"/>
+            <a:ext cx="2340000" cy="1980000"/>
+          </a:xfrm>
+          <a:prstGeom prst="rect">
+            <a:avLst/>
+          </a:prstGeom>
+          <a:noFill/>
+          <a:ln w="38100">
+            <a:solidFill>
+              <a:srgbClr val="FF0000"/>
+            </a:solidFill>
+          </a:ln>
+        </p:spPr>
+        <p:style>
+          <a:lnRef idx="2">
+            <a:schemeClr val="accent1">
+              <a:shade val="50000"/>
+            </a:schemeClr>
+          </a:lnRef>
+          <a:fillRef idx="1">
+            <a:schemeClr val="accent1"/>
+          </a:fillRef>
+          <a:effectRef idx="0">
+            <a:schemeClr val="accent1"/>
+          </a:effectRef>
+          <a:fontRef idx="minor">
+            <a:schemeClr val="lt1"/>
+          </a:fontRef>
+        </p:style>
+        <p:txBody>
+          <a:bodyPr rtlCol="0" anchor="ctr"/>
+          <a:lstStyle/>
+          <a:p>
+            <a:pPr algn="ctr"/>
+            <a:endParaRPr lang="zh-TW" altLang="en-US"/>
+          </a:p>
+        </p:txBody>
+      </p:sp>
     </p:spTree>
     <p:extLst>
       <p:ext uri="{BB962C8B-B14F-4D97-AF65-F5344CB8AC3E}">
-        <p14:creationId xmlns:p14="http://schemas.microsoft.com/office/powerpoint/2010/main" val="554149060"/>
+        <p14:creationId xmlns:p14="http://schemas.microsoft.com/office/powerpoint/2010/main" val="3585951177"/>
       </p:ext>
     </p:extLst>
   </p:cSld>
@@ -3513,10 +5020,813 @@
           <a:chExt cx="0" cy="0"/>
         </a:xfrm>
       </p:grpSpPr>
+      <p:pic>
+        <p:nvPicPr>
+          <p:cNvPr id="7" name="圖片 6">
+            <a:extLst>
+              <a:ext uri="{FF2B5EF4-FFF2-40B4-BE49-F238E27FC236}">
+                <a16:creationId xmlns:a16="http://schemas.microsoft.com/office/drawing/2014/main" id="{BD018F9E-8CCE-461D-899D-61082D3B4586}"/>
+              </a:ext>
+            </a:extLst>
+          </p:cNvPr>
+          <p:cNvPicPr>
+            <a:picLocks noChangeAspect="1"/>
+          </p:cNvPicPr>
+          <p:nvPr/>
+        </p:nvPicPr>
+        <p:blipFill>
+          <a:blip r:embed="rId2"/>
+          <a:stretch>
+            <a:fillRect/>
+          </a:stretch>
+        </p:blipFill>
+        <p:spPr>
+          <a:xfrm>
+            <a:off x="3814308" y="-116115"/>
+            <a:ext cx="6755759" cy="6858000"/>
+          </a:xfrm>
+          <a:prstGeom prst="rect">
+            <a:avLst/>
+          </a:prstGeom>
+        </p:spPr>
+      </p:pic>
+      <p:pic>
+        <p:nvPicPr>
+          <p:cNvPr id="3" name="圖片 2">
+            <a:extLst>
+              <a:ext uri="{FF2B5EF4-FFF2-40B4-BE49-F238E27FC236}">
+                <a16:creationId xmlns:a16="http://schemas.microsoft.com/office/drawing/2014/main" id="{C4E2F69B-58B1-42A3-ADAB-B07C030EC097}"/>
+              </a:ext>
+            </a:extLst>
+          </p:cNvPr>
+          <p:cNvPicPr>
+            <a:picLocks noChangeAspect="1"/>
+          </p:cNvPicPr>
+          <p:nvPr/>
+        </p:nvPicPr>
+        <p:blipFill>
+          <a:blip r:embed="rId3"/>
+          <a:stretch>
+            <a:fillRect/>
+          </a:stretch>
+        </p:blipFill>
+        <p:spPr>
+          <a:xfrm>
+            <a:off x="8331200" y="-532741"/>
+            <a:ext cx="2425433" cy="3845626"/>
+          </a:xfrm>
+          <a:prstGeom prst="rect">
+            <a:avLst/>
+          </a:prstGeom>
+          <a:ln w="38100" cap="sq">
+            <a:solidFill>
+              <a:srgbClr val="000000"/>
+            </a:solidFill>
+            <a:prstDash val="solid"/>
+            <a:miter lim="800000"/>
+          </a:ln>
+          <a:effectLst>
+            <a:outerShdw blurRad="50800" dist="38100" dir="2700000" algn="tl" rotWithShape="0">
+              <a:srgbClr val="000000">
+                <a:alpha val="43000"/>
+              </a:srgbClr>
+            </a:outerShdw>
+          </a:effectLst>
+        </p:spPr>
+      </p:pic>
+      <p:pic>
+        <p:nvPicPr>
+          <p:cNvPr id="5" name="圖片 4">
+            <a:extLst>
+              <a:ext uri="{FF2B5EF4-FFF2-40B4-BE49-F238E27FC236}">
+                <a16:creationId xmlns:a16="http://schemas.microsoft.com/office/drawing/2014/main" id="{AB5D1A6F-617C-43D2-AC37-65D564B9CD30}"/>
+              </a:ext>
+            </a:extLst>
+          </p:cNvPr>
+          <p:cNvPicPr>
+            <a:picLocks noChangeAspect="1"/>
+          </p:cNvPicPr>
+          <p:nvPr/>
+        </p:nvPicPr>
+        <p:blipFill rotWithShape="1">
+          <a:blip r:embed="rId4"/>
+          <a:srcRect l="25830" t="32269" r="27878" b="1320"/>
+          <a:stretch/>
+        </p:blipFill>
+        <p:spPr>
+          <a:xfrm>
+            <a:off x="657548" y="874352"/>
+            <a:ext cx="3127376" cy="4554539"/>
+          </a:xfrm>
+          <a:prstGeom prst="rect">
+            <a:avLst/>
+          </a:prstGeom>
+          <a:ln w="38100" cap="sq">
+            <a:solidFill>
+              <a:srgbClr val="000000"/>
+            </a:solidFill>
+            <a:prstDash val="solid"/>
+            <a:miter lim="800000"/>
+          </a:ln>
+          <a:effectLst>
+            <a:outerShdw blurRad="50800" dist="38100" dir="2700000" algn="tl" rotWithShape="0">
+              <a:srgbClr val="000000">
+                <a:alpha val="43000"/>
+              </a:srgbClr>
+            </a:outerShdw>
+          </a:effectLst>
+        </p:spPr>
+      </p:pic>
+      <p:sp>
+        <p:nvSpPr>
+          <p:cNvPr id="8" name="矩形 7">
+            <a:extLst>
+              <a:ext uri="{FF2B5EF4-FFF2-40B4-BE49-F238E27FC236}">
+                <a16:creationId xmlns:a16="http://schemas.microsoft.com/office/drawing/2014/main" id="{6CFAE577-FB83-40DC-AB11-945BBA2FEAAE}"/>
+              </a:ext>
+            </a:extLst>
+          </p:cNvPr>
+          <p:cNvSpPr/>
+          <p:nvPr/>
+        </p:nvSpPr>
+        <p:spPr>
+          <a:xfrm>
+            <a:off x="9105481" y="-1"/>
+            <a:ext cx="836804" cy="638629"/>
+          </a:xfrm>
+          <a:prstGeom prst="rect">
+            <a:avLst/>
+          </a:prstGeom>
+          <a:noFill/>
+          <a:ln w="38100">
+            <a:solidFill>
+              <a:srgbClr val="FF0000"/>
+            </a:solidFill>
+          </a:ln>
+        </p:spPr>
+        <p:style>
+          <a:lnRef idx="2">
+            <a:schemeClr val="accent1">
+              <a:shade val="50000"/>
+            </a:schemeClr>
+          </a:lnRef>
+          <a:fillRef idx="1">
+            <a:schemeClr val="accent1"/>
+          </a:fillRef>
+          <a:effectRef idx="0">
+            <a:schemeClr val="accent1"/>
+          </a:effectRef>
+          <a:fontRef idx="minor">
+            <a:schemeClr val="lt1"/>
+          </a:fontRef>
+        </p:style>
+        <p:txBody>
+          <a:bodyPr rtlCol="0" anchor="ctr"/>
+          <a:lstStyle/>
+          <a:p>
+            <a:pPr algn="ctr"/>
+            <a:endParaRPr lang="zh-TW" altLang="en-US"/>
+          </a:p>
+        </p:txBody>
+      </p:sp>
+      <p:cxnSp>
+        <p:nvCxnSpPr>
+          <p:cNvPr id="9" name="直線單箭頭接點 8">
+            <a:extLst>
+              <a:ext uri="{FF2B5EF4-FFF2-40B4-BE49-F238E27FC236}">
+                <a16:creationId xmlns:a16="http://schemas.microsoft.com/office/drawing/2014/main" id="{03A15BAC-46C3-48C2-A32C-B1C93044557D}"/>
+              </a:ext>
+            </a:extLst>
+          </p:cNvPr>
+          <p:cNvCxnSpPr>
+            <a:cxnSpLocks/>
+          </p:cNvCxnSpPr>
+          <p:nvPr/>
+        </p:nvCxnSpPr>
+        <p:spPr>
+          <a:xfrm flipH="1">
+            <a:off x="8189008" y="874352"/>
+            <a:ext cx="1274306" cy="2670764"/>
+          </a:xfrm>
+          <a:prstGeom prst="straightConnector1">
+            <a:avLst/>
+          </a:prstGeom>
+          <a:ln w="57150">
+            <a:solidFill>
+              <a:srgbClr val="FF0000"/>
+            </a:solidFill>
+            <a:headEnd type="none" w="med" len="med"/>
+            <a:tailEnd type="arrow" w="med" len="med"/>
+          </a:ln>
+        </p:spPr>
+        <p:style>
+          <a:lnRef idx="1">
+            <a:schemeClr val="accent1"/>
+          </a:lnRef>
+          <a:fillRef idx="0">
+            <a:schemeClr val="accent1"/>
+          </a:fillRef>
+          <a:effectRef idx="0">
+            <a:schemeClr val="accent1"/>
+          </a:effectRef>
+          <a:fontRef idx="minor">
+            <a:schemeClr val="tx1"/>
+          </a:fontRef>
+        </p:style>
+      </p:cxnSp>
+      <p:sp>
+        <p:nvSpPr>
+          <p:cNvPr id="10" name="矩形 9">
+            <a:extLst>
+              <a:ext uri="{FF2B5EF4-FFF2-40B4-BE49-F238E27FC236}">
+                <a16:creationId xmlns:a16="http://schemas.microsoft.com/office/drawing/2014/main" id="{FDF50F23-1FD7-442E-B61A-9C5188556ECB}"/>
+              </a:ext>
+            </a:extLst>
+          </p:cNvPr>
+          <p:cNvSpPr/>
+          <p:nvPr/>
+        </p:nvSpPr>
+        <p:spPr>
+          <a:xfrm>
+            <a:off x="4228680" y="3608635"/>
+            <a:ext cx="2340000" cy="360000"/>
+          </a:xfrm>
+          <a:prstGeom prst="rect">
+            <a:avLst/>
+          </a:prstGeom>
+          <a:noFill/>
+          <a:ln w="38100">
+            <a:solidFill>
+              <a:srgbClr val="FF0000"/>
+            </a:solidFill>
+          </a:ln>
+        </p:spPr>
+        <p:style>
+          <a:lnRef idx="2">
+            <a:schemeClr val="accent1">
+              <a:shade val="50000"/>
+            </a:schemeClr>
+          </a:lnRef>
+          <a:fillRef idx="1">
+            <a:schemeClr val="accent1"/>
+          </a:fillRef>
+          <a:effectRef idx="0">
+            <a:schemeClr val="accent1"/>
+          </a:effectRef>
+          <a:fontRef idx="minor">
+            <a:schemeClr val="lt1"/>
+          </a:fontRef>
+        </p:style>
+        <p:txBody>
+          <a:bodyPr rtlCol="0" anchor="ctr"/>
+          <a:lstStyle/>
+          <a:p>
+            <a:pPr algn="ctr"/>
+            <a:endParaRPr lang="zh-TW" altLang="en-US"/>
+          </a:p>
+        </p:txBody>
+      </p:sp>
+      <p:sp>
+        <p:nvSpPr>
+          <p:cNvPr id="11" name="矩形 10">
+            <a:extLst>
+              <a:ext uri="{FF2B5EF4-FFF2-40B4-BE49-F238E27FC236}">
+                <a16:creationId xmlns:a16="http://schemas.microsoft.com/office/drawing/2014/main" id="{02384D36-9626-4144-96F1-C87B630293C0}"/>
+              </a:ext>
+            </a:extLst>
+          </p:cNvPr>
+          <p:cNvSpPr/>
+          <p:nvPr/>
+        </p:nvSpPr>
+        <p:spPr>
+          <a:xfrm>
+            <a:off x="6738612" y="3620744"/>
+            <a:ext cx="3240000" cy="360000"/>
+          </a:xfrm>
+          <a:prstGeom prst="rect">
+            <a:avLst/>
+          </a:prstGeom>
+          <a:noFill/>
+          <a:ln w="38100">
+            <a:solidFill>
+              <a:srgbClr val="FF0000"/>
+            </a:solidFill>
+          </a:ln>
+        </p:spPr>
+        <p:style>
+          <a:lnRef idx="2">
+            <a:schemeClr val="accent1">
+              <a:shade val="50000"/>
+            </a:schemeClr>
+          </a:lnRef>
+          <a:fillRef idx="1">
+            <a:schemeClr val="accent1"/>
+          </a:fillRef>
+          <a:effectRef idx="0">
+            <a:schemeClr val="accent1"/>
+          </a:effectRef>
+          <a:fontRef idx="minor">
+            <a:schemeClr val="lt1"/>
+          </a:fontRef>
+        </p:style>
+        <p:txBody>
+          <a:bodyPr rtlCol="0" anchor="ctr"/>
+          <a:lstStyle/>
+          <a:p>
+            <a:pPr algn="ctr"/>
+            <a:endParaRPr lang="zh-TW" altLang="en-US"/>
+          </a:p>
+        </p:txBody>
+      </p:sp>
+      <p:sp>
+        <p:nvSpPr>
+          <p:cNvPr id="12" name="矩形 11">
+            <a:extLst>
+              <a:ext uri="{FF2B5EF4-FFF2-40B4-BE49-F238E27FC236}">
+                <a16:creationId xmlns:a16="http://schemas.microsoft.com/office/drawing/2014/main" id="{203E12EB-F16C-42A3-8F10-709AFAF37400}"/>
+              </a:ext>
+            </a:extLst>
+          </p:cNvPr>
+          <p:cNvSpPr/>
+          <p:nvPr/>
+        </p:nvSpPr>
+        <p:spPr>
+          <a:xfrm>
+            <a:off x="6749143" y="4416423"/>
+            <a:ext cx="2340000" cy="540000"/>
+          </a:xfrm>
+          <a:prstGeom prst="rect">
+            <a:avLst/>
+          </a:prstGeom>
+          <a:noFill/>
+          <a:ln w="38100">
+            <a:solidFill>
+              <a:srgbClr val="FF0000"/>
+            </a:solidFill>
+          </a:ln>
+        </p:spPr>
+        <p:style>
+          <a:lnRef idx="2">
+            <a:schemeClr val="accent1">
+              <a:shade val="50000"/>
+            </a:schemeClr>
+          </a:lnRef>
+          <a:fillRef idx="1">
+            <a:schemeClr val="accent1"/>
+          </a:fillRef>
+          <a:effectRef idx="0">
+            <a:schemeClr val="accent1"/>
+          </a:effectRef>
+          <a:fontRef idx="minor">
+            <a:schemeClr val="lt1"/>
+          </a:fontRef>
+        </p:style>
+        <p:txBody>
+          <a:bodyPr rtlCol="0" anchor="ctr"/>
+          <a:lstStyle/>
+          <a:p>
+            <a:pPr algn="ctr"/>
+            <a:endParaRPr lang="zh-TW" altLang="en-US"/>
+          </a:p>
+        </p:txBody>
+      </p:sp>
+      <p:sp>
+        <p:nvSpPr>
+          <p:cNvPr id="13" name="矩形 12">
+            <a:extLst>
+              <a:ext uri="{FF2B5EF4-FFF2-40B4-BE49-F238E27FC236}">
+                <a16:creationId xmlns:a16="http://schemas.microsoft.com/office/drawing/2014/main" id="{232EA7B9-31CD-40FE-BB95-D113DBAF7E06}"/>
+              </a:ext>
+            </a:extLst>
+          </p:cNvPr>
+          <p:cNvSpPr/>
+          <p:nvPr/>
+        </p:nvSpPr>
+        <p:spPr>
+          <a:xfrm>
+            <a:off x="4372819" y="5315671"/>
+            <a:ext cx="270000" cy="270000"/>
+          </a:xfrm>
+          <a:prstGeom prst="rect">
+            <a:avLst/>
+          </a:prstGeom>
+          <a:noFill/>
+          <a:ln w="38100">
+            <a:solidFill>
+              <a:srgbClr val="FF0000"/>
+            </a:solidFill>
+          </a:ln>
+        </p:spPr>
+        <p:style>
+          <a:lnRef idx="2">
+            <a:schemeClr val="accent1">
+              <a:shade val="50000"/>
+            </a:schemeClr>
+          </a:lnRef>
+          <a:fillRef idx="1">
+            <a:schemeClr val="accent1"/>
+          </a:fillRef>
+          <a:effectRef idx="0">
+            <a:schemeClr val="accent1"/>
+          </a:effectRef>
+          <a:fontRef idx="minor">
+            <a:schemeClr val="lt1"/>
+          </a:fontRef>
+        </p:style>
+        <p:txBody>
+          <a:bodyPr rtlCol="0" anchor="ctr"/>
+          <a:lstStyle/>
+          <a:p>
+            <a:pPr algn="ctr"/>
+            <a:endParaRPr lang="zh-TW" altLang="en-US"/>
+          </a:p>
+        </p:txBody>
+      </p:sp>
+      <p:sp>
+        <p:nvSpPr>
+          <p:cNvPr id="14" name="矩形 13">
+            <a:extLst>
+              <a:ext uri="{FF2B5EF4-FFF2-40B4-BE49-F238E27FC236}">
+                <a16:creationId xmlns:a16="http://schemas.microsoft.com/office/drawing/2014/main" id="{75CFC640-4EE1-420A-B4EC-EC9DA70E889E}"/>
+              </a:ext>
+            </a:extLst>
+          </p:cNvPr>
+          <p:cNvSpPr/>
+          <p:nvPr/>
+        </p:nvSpPr>
+        <p:spPr>
+          <a:xfrm>
+            <a:off x="4246844" y="5940899"/>
+            <a:ext cx="1080000" cy="360000"/>
+          </a:xfrm>
+          <a:prstGeom prst="rect">
+            <a:avLst/>
+          </a:prstGeom>
+          <a:noFill/>
+          <a:ln w="38100">
+            <a:solidFill>
+              <a:srgbClr val="FF0000"/>
+            </a:solidFill>
+          </a:ln>
+        </p:spPr>
+        <p:style>
+          <a:lnRef idx="2">
+            <a:schemeClr val="accent1">
+              <a:shade val="50000"/>
+            </a:schemeClr>
+          </a:lnRef>
+          <a:fillRef idx="1">
+            <a:schemeClr val="accent1"/>
+          </a:fillRef>
+          <a:effectRef idx="0">
+            <a:schemeClr val="accent1"/>
+          </a:effectRef>
+          <a:fontRef idx="minor">
+            <a:schemeClr val="lt1"/>
+          </a:fontRef>
+        </p:style>
+        <p:txBody>
+          <a:bodyPr rtlCol="0" anchor="ctr"/>
+          <a:lstStyle/>
+          <a:p>
+            <a:pPr algn="ctr"/>
+            <a:endParaRPr lang="zh-TW" altLang="en-US"/>
+          </a:p>
+        </p:txBody>
+      </p:sp>
+      <p:sp>
+        <p:nvSpPr>
+          <p:cNvPr id="15" name="矩形 14">
+            <a:extLst>
+              <a:ext uri="{FF2B5EF4-FFF2-40B4-BE49-F238E27FC236}">
+                <a16:creationId xmlns:a16="http://schemas.microsoft.com/office/drawing/2014/main" id="{9133A89A-6255-42DD-AFB4-B5D776216512}"/>
+              </a:ext>
+            </a:extLst>
+          </p:cNvPr>
+          <p:cNvSpPr/>
+          <p:nvPr/>
+        </p:nvSpPr>
+        <p:spPr>
+          <a:xfrm>
+            <a:off x="705172" y="1841388"/>
+            <a:ext cx="3060000" cy="3060000"/>
+          </a:xfrm>
+          <a:prstGeom prst="rect">
+            <a:avLst/>
+          </a:prstGeom>
+          <a:noFill/>
+          <a:ln w="38100">
+            <a:solidFill>
+              <a:srgbClr val="FF0000"/>
+            </a:solidFill>
+          </a:ln>
+        </p:spPr>
+        <p:style>
+          <a:lnRef idx="2">
+            <a:schemeClr val="accent1">
+              <a:shade val="50000"/>
+            </a:schemeClr>
+          </a:lnRef>
+          <a:fillRef idx="1">
+            <a:schemeClr val="accent1"/>
+          </a:fillRef>
+          <a:effectRef idx="0">
+            <a:schemeClr val="accent1"/>
+          </a:effectRef>
+          <a:fontRef idx="minor">
+            <a:schemeClr val="lt1"/>
+          </a:fontRef>
+        </p:style>
+        <p:txBody>
+          <a:bodyPr rtlCol="0" anchor="ctr"/>
+          <a:lstStyle/>
+          <a:p>
+            <a:pPr algn="ctr"/>
+            <a:endParaRPr lang="zh-TW" altLang="en-US"/>
+          </a:p>
+        </p:txBody>
+      </p:sp>
+      <p:sp>
+        <p:nvSpPr>
+          <p:cNvPr id="16" name="矩形 15">
+            <a:extLst>
+              <a:ext uri="{FF2B5EF4-FFF2-40B4-BE49-F238E27FC236}">
+                <a16:creationId xmlns:a16="http://schemas.microsoft.com/office/drawing/2014/main" id="{B147665A-486F-4D44-845A-04147B42FABE}"/>
+              </a:ext>
+            </a:extLst>
+          </p:cNvPr>
+          <p:cNvSpPr/>
+          <p:nvPr/>
+        </p:nvSpPr>
+        <p:spPr>
+          <a:xfrm>
+            <a:off x="2950321" y="5021254"/>
+            <a:ext cx="810000" cy="360000"/>
+          </a:xfrm>
+          <a:prstGeom prst="rect">
+            <a:avLst/>
+          </a:prstGeom>
+          <a:noFill/>
+          <a:ln w="38100">
+            <a:solidFill>
+              <a:srgbClr val="FF0000"/>
+            </a:solidFill>
+          </a:ln>
+        </p:spPr>
+        <p:style>
+          <a:lnRef idx="2">
+            <a:schemeClr val="accent1">
+              <a:shade val="50000"/>
+            </a:schemeClr>
+          </a:lnRef>
+          <a:fillRef idx="1">
+            <a:schemeClr val="accent1"/>
+          </a:fillRef>
+          <a:effectRef idx="0">
+            <a:schemeClr val="accent1"/>
+          </a:effectRef>
+          <a:fontRef idx="minor">
+            <a:schemeClr val="lt1"/>
+          </a:fontRef>
+        </p:style>
+        <p:txBody>
+          <a:bodyPr rtlCol="0" anchor="ctr"/>
+          <a:lstStyle/>
+          <a:p>
+            <a:pPr algn="ctr"/>
+            <a:endParaRPr lang="zh-TW" altLang="en-US"/>
+          </a:p>
+        </p:txBody>
+      </p:sp>
+      <p:cxnSp>
+        <p:nvCxnSpPr>
+          <p:cNvPr id="17" name="直線單箭頭接點 16">
+            <a:extLst>
+              <a:ext uri="{FF2B5EF4-FFF2-40B4-BE49-F238E27FC236}">
+                <a16:creationId xmlns:a16="http://schemas.microsoft.com/office/drawing/2014/main" id="{FA891CF9-9BB2-404B-8EF4-D373280E7071}"/>
+              </a:ext>
+            </a:extLst>
+          </p:cNvPr>
+          <p:cNvCxnSpPr>
+            <a:cxnSpLocks/>
+          </p:cNvCxnSpPr>
+          <p:nvPr/>
+        </p:nvCxnSpPr>
+        <p:spPr>
+          <a:xfrm flipV="1">
+            <a:off x="5352117" y="438673"/>
+            <a:ext cx="3566798" cy="3036145"/>
+          </a:xfrm>
+          <a:prstGeom prst="straightConnector1">
+            <a:avLst/>
+          </a:prstGeom>
+          <a:ln w="57150">
+            <a:solidFill>
+              <a:srgbClr val="FF0000"/>
+            </a:solidFill>
+            <a:headEnd type="none" w="med" len="med"/>
+            <a:tailEnd type="arrow" w="med" len="med"/>
+          </a:ln>
+        </p:spPr>
+        <p:style>
+          <a:lnRef idx="1">
+            <a:schemeClr val="accent1"/>
+          </a:lnRef>
+          <a:fillRef idx="0">
+            <a:schemeClr val="accent1"/>
+          </a:fillRef>
+          <a:effectRef idx="0">
+            <a:schemeClr val="accent1"/>
+          </a:effectRef>
+          <a:fontRef idx="minor">
+            <a:schemeClr val="tx1"/>
+          </a:fontRef>
+        </p:style>
+      </p:cxnSp>
+      <p:cxnSp>
+        <p:nvCxnSpPr>
+          <p:cNvPr id="21" name="直線單箭頭接點 20">
+            <a:extLst>
+              <a:ext uri="{FF2B5EF4-FFF2-40B4-BE49-F238E27FC236}">
+                <a16:creationId xmlns:a16="http://schemas.microsoft.com/office/drawing/2014/main" id="{B27BF89F-7AC0-4D73-8F32-76F103BE2343}"/>
+              </a:ext>
+            </a:extLst>
+          </p:cNvPr>
+          <p:cNvCxnSpPr>
+            <a:cxnSpLocks/>
+          </p:cNvCxnSpPr>
+          <p:nvPr/>
+        </p:nvCxnSpPr>
+        <p:spPr>
+          <a:xfrm flipH="1">
+            <a:off x="7847067" y="4010357"/>
+            <a:ext cx="259422" cy="357191"/>
+          </a:xfrm>
+          <a:prstGeom prst="straightConnector1">
+            <a:avLst/>
+          </a:prstGeom>
+          <a:ln w="57150">
+            <a:solidFill>
+              <a:srgbClr val="FF0000"/>
+            </a:solidFill>
+            <a:headEnd type="none" w="med" len="med"/>
+            <a:tailEnd type="arrow" w="med" len="med"/>
+          </a:ln>
+        </p:spPr>
+        <p:style>
+          <a:lnRef idx="1">
+            <a:schemeClr val="accent1"/>
+          </a:lnRef>
+          <a:fillRef idx="0">
+            <a:schemeClr val="accent1"/>
+          </a:fillRef>
+          <a:effectRef idx="0">
+            <a:schemeClr val="accent1"/>
+          </a:effectRef>
+          <a:fontRef idx="minor">
+            <a:schemeClr val="tx1"/>
+          </a:fontRef>
+        </p:style>
+      </p:cxnSp>
+      <p:cxnSp>
+        <p:nvCxnSpPr>
+          <p:cNvPr id="23" name="直線單箭頭接點 22">
+            <a:extLst>
+              <a:ext uri="{FF2B5EF4-FFF2-40B4-BE49-F238E27FC236}">
+                <a16:creationId xmlns:a16="http://schemas.microsoft.com/office/drawing/2014/main" id="{4C563C98-E69A-4095-AB6B-1F5B34A10844}"/>
+              </a:ext>
+            </a:extLst>
+          </p:cNvPr>
+          <p:cNvCxnSpPr>
+            <a:cxnSpLocks/>
+          </p:cNvCxnSpPr>
+          <p:nvPr/>
+        </p:nvCxnSpPr>
+        <p:spPr>
+          <a:xfrm flipH="1">
+            <a:off x="4847226" y="4956423"/>
+            <a:ext cx="1851165" cy="404595"/>
+          </a:xfrm>
+          <a:prstGeom prst="straightConnector1">
+            <a:avLst/>
+          </a:prstGeom>
+          <a:ln w="57150">
+            <a:solidFill>
+              <a:srgbClr val="FF0000"/>
+            </a:solidFill>
+            <a:headEnd type="none" w="med" len="med"/>
+            <a:tailEnd type="arrow" w="med" len="med"/>
+          </a:ln>
+        </p:spPr>
+        <p:style>
+          <a:lnRef idx="1">
+            <a:schemeClr val="accent1"/>
+          </a:lnRef>
+          <a:fillRef idx="0">
+            <a:schemeClr val="accent1"/>
+          </a:fillRef>
+          <a:effectRef idx="0">
+            <a:schemeClr val="accent1"/>
+          </a:effectRef>
+          <a:fontRef idx="minor">
+            <a:schemeClr val="tx1"/>
+          </a:fontRef>
+        </p:style>
+      </p:cxnSp>
+      <p:cxnSp>
+        <p:nvCxnSpPr>
+          <p:cNvPr id="25" name="直線單箭頭接點 24">
+            <a:extLst>
+              <a:ext uri="{FF2B5EF4-FFF2-40B4-BE49-F238E27FC236}">
+                <a16:creationId xmlns:a16="http://schemas.microsoft.com/office/drawing/2014/main" id="{A4CEB270-DDE8-43CA-A5C5-7F2142BA6A3C}"/>
+              </a:ext>
+            </a:extLst>
+          </p:cNvPr>
+          <p:cNvCxnSpPr>
+            <a:cxnSpLocks/>
+          </p:cNvCxnSpPr>
+          <p:nvPr/>
+        </p:nvCxnSpPr>
+        <p:spPr>
+          <a:xfrm flipH="1" flipV="1">
+            <a:off x="3899401" y="4534855"/>
+            <a:ext cx="560166" cy="603473"/>
+          </a:xfrm>
+          <a:prstGeom prst="straightConnector1">
+            <a:avLst/>
+          </a:prstGeom>
+          <a:ln w="57150">
+            <a:solidFill>
+              <a:srgbClr val="FF0000"/>
+            </a:solidFill>
+            <a:headEnd type="none" w="med" len="med"/>
+            <a:tailEnd type="arrow" w="med" len="med"/>
+          </a:ln>
+        </p:spPr>
+        <p:style>
+          <a:lnRef idx="1">
+            <a:schemeClr val="accent1"/>
+          </a:lnRef>
+          <a:fillRef idx="0">
+            <a:schemeClr val="accent1"/>
+          </a:fillRef>
+          <a:effectRef idx="0">
+            <a:schemeClr val="accent1"/>
+          </a:effectRef>
+          <a:fontRef idx="minor">
+            <a:schemeClr val="tx1"/>
+          </a:fontRef>
+        </p:style>
+      </p:cxnSp>
+      <p:cxnSp>
+        <p:nvCxnSpPr>
+          <p:cNvPr id="27" name="直線單箭頭接點 26">
+            <a:extLst>
+              <a:ext uri="{FF2B5EF4-FFF2-40B4-BE49-F238E27FC236}">
+                <a16:creationId xmlns:a16="http://schemas.microsoft.com/office/drawing/2014/main" id="{DD75AC69-ED3A-4BB4-8E16-FE1C1F419B2D}"/>
+              </a:ext>
+            </a:extLst>
+          </p:cNvPr>
+          <p:cNvCxnSpPr>
+            <a:cxnSpLocks/>
+          </p:cNvCxnSpPr>
+          <p:nvPr/>
+        </p:nvCxnSpPr>
+        <p:spPr>
+          <a:xfrm>
+            <a:off x="3347939" y="5501120"/>
+            <a:ext cx="820473" cy="619779"/>
+          </a:xfrm>
+          <a:prstGeom prst="straightConnector1">
+            <a:avLst/>
+          </a:prstGeom>
+          <a:ln w="57150">
+            <a:solidFill>
+              <a:srgbClr val="FF0000"/>
+            </a:solidFill>
+            <a:headEnd type="none" w="med" len="med"/>
+            <a:tailEnd type="arrow" w="med" len="med"/>
+          </a:ln>
+        </p:spPr>
+        <p:style>
+          <a:lnRef idx="1">
+            <a:schemeClr val="accent1"/>
+          </a:lnRef>
+          <a:fillRef idx="0">
+            <a:schemeClr val="accent1"/>
+          </a:fillRef>
+          <a:effectRef idx="0">
+            <a:schemeClr val="accent1"/>
+          </a:effectRef>
+          <a:fontRef idx="minor">
+            <a:schemeClr val="tx1"/>
+          </a:fontRef>
+        </p:style>
+      </p:cxnSp>
     </p:spTree>
     <p:extLst>
       <p:ext uri="{BB962C8B-B14F-4D97-AF65-F5344CB8AC3E}">
-        <p14:creationId xmlns:p14="http://schemas.microsoft.com/office/powerpoint/2010/main" val="3568099930"/>
+        <p14:creationId xmlns:p14="http://schemas.microsoft.com/office/powerpoint/2010/main" val="554149060"/>
       </p:ext>
     </p:extLst>
   </p:cSld>
@@ -3543,6 +5853,341 @@
           <a:chExt cx="0" cy="0"/>
         </a:xfrm>
       </p:grpSpPr>
+      <p:pic>
+        <p:nvPicPr>
+          <p:cNvPr id="4" name="圖片 3">
+            <a:extLst>
+              <a:ext uri="{FF2B5EF4-FFF2-40B4-BE49-F238E27FC236}">
+                <a16:creationId xmlns:a16="http://schemas.microsoft.com/office/drawing/2014/main" id="{04877F16-60E7-4FF0-8BB8-27AAFF47918F}"/>
+              </a:ext>
+            </a:extLst>
+          </p:cNvPr>
+          <p:cNvPicPr>
+            <a:picLocks noChangeAspect="1"/>
+          </p:cNvPicPr>
+          <p:nvPr/>
+        </p:nvPicPr>
+        <p:blipFill>
+          <a:blip r:embed="rId2"/>
+          <a:stretch>
+            <a:fillRect/>
+          </a:stretch>
+        </p:blipFill>
+        <p:spPr>
+          <a:xfrm>
+            <a:off x="908370" y="0"/>
+            <a:ext cx="6755759" cy="6858000"/>
+          </a:xfrm>
+          <a:prstGeom prst="rect">
+            <a:avLst/>
+          </a:prstGeom>
+        </p:spPr>
+      </p:pic>
+      <p:pic>
+        <p:nvPicPr>
+          <p:cNvPr id="6" name="圖片 5">
+            <a:extLst>
+              <a:ext uri="{FF2B5EF4-FFF2-40B4-BE49-F238E27FC236}">
+                <a16:creationId xmlns:a16="http://schemas.microsoft.com/office/drawing/2014/main" id="{B820AAA7-91DC-4DF3-9168-36629DA31DBA}"/>
+              </a:ext>
+            </a:extLst>
+          </p:cNvPr>
+          <p:cNvPicPr>
+            <a:picLocks noChangeAspect="1"/>
+          </p:cNvPicPr>
+          <p:nvPr/>
+        </p:nvPicPr>
+        <p:blipFill>
+          <a:blip r:embed="rId3"/>
+          <a:stretch>
+            <a:fillRect/>
+          </a:stretch>
+        </p:blipFill>
+        <p:spPr>
+          <a:xfrm>
+            <a:off x="7491412" y="466725"/>
+            <a:ext cx="3952875" cy="6267450"/>
+          </a:xfrm>
+          <a:prstGeom prst="rect">
+            <a:avLst/>
+          </a:prstGeom>
+          <a:ln w="38100" cap="sq">
+            <a:solidFill>
+              <a:srgbClr val="000000"/>
+            </a:solidFill>
+            <a:prstDash val="solid"/>
+            <a:miter lim="800000"/>
+          </a:ln>
+          <a:effectLst>
+            <a:outerShdw blurRad="50800" dist="38100" dir="2700000" algn="tl" rotWithShape="0">
+              <a:srgbClr val="000000">
+                <a:alpha val="43000"/>
+              </a:srgbClr>
+            </a:outerShdw>
+          </a:effectLst>
+        </p:spPr>
+      </p:pic>
+      <p:sp>
+        <p:nvSpPr>
+          <p:cNvPr id="7" name="矩形 6">
+            <a:extLst>
+              <a:ext uri="{FF2B5EF4-FFF2-40B4-BE49-F238E27FC236}">
+                <a16:creationId xmlns:a16="http://schemas.microsoft.com/office/drawing/2014/main" id="{11407C98-2607-4DF7-9B78-8442F6C0F0DD}"/>
+              </a:ext>
+            </a:extLst>
+          </p:cNvPr>
+          <p:cNvSpPr/>
+          <p:nvPr/>
+        </p:nvSpPr>
+        <p:spPr>
+          <a:xfrm>
+            <a:off x="3920218" y="5546723"/>
+            <a:ext cx="720000" cy="360000"/>
+          </a:xfrm>
+          <a:prstGeom prst="rect">
+            <a:avLst/>
+          </a:prstGeom>
+          <a:noFill/>
+          <a:ln w="38100">
+            <a:solidFill>
+              <a:srgbClr val="FF0000"/>
+            </a:solidFill>
+          </a:ln>
+        </p:spPr>
+        <p:style>
+          <a:lnRef idx="2">
+            <a:schemeClr val="accent1">
+              <a:shade val="50000"/>
+            </a:schemeClr>
+          </a:lnRef>
+          <a:fillRef idx="1">
+            <a:schemeClr val="accent1"/>
+          </a:fillRef>
+          <a:effectRef idx="0">
+            <a:schemeClr val="accent1"/>
+          </a:effectRef>
+          <a:fontRef idx="minor">
+            <a:schemeClr val="lt1"/>
+          </a:fontRef>
+        </p:style>
+        <p:txBody>
+          <a:bodyPr rtlCol="0" anchor="ctr"/>
+          <a:lstStyle/>
+          <a:p>
+            <a:pPr algn="ctr"/>
+            <a:endParaRPr lang="zh-TW" altLang="en-US"/>
+          </a:p>
+        </p:txBody>
+      </p:sp>
+      <p:sp>
+        <p:nvSpPr>
+          <p:cNvPr id="8" name="矩形 7">
+            <a:extLst>
+              <a:ext uri="{FF2B5EF4-FFF2-40B4-BE49-F238E27FC236}">
+                <a16:creationId xmlns:a16="http://schemas.microsoft.com/office/drawing/2014/main" id="{BA1FA08E-174E-4E64-9D50-A94E4E6FA99D}"/>
+              </a:ext>
+            </a:extLst>
+          </p:cNvPr>
+          <p:cNvSpPr/>
+          <p:nvPr/>
+        </p:nvSpPr>
+        <p:spPr>
+          <a:xfrm>
+            <a:off x="8920843" y="2492373"/>
+            <a:ext cx="1080000" cy="360000"/>
+          </a:xfrm>
+          <a:prstGeom prst="rect">
+            <a:avLst/>
+          </a:prstGeom>
+          <a:noFill/>
+          <a:ln w="38100">
+            <a:solidFill>
+              <a:srgbClr val="FF0000"/>
+            </a:solidFill>
+          </a:ln>
+        </p:spPr>
+        <p:style>
+          <a:lnRef idx="2">
+            <a:schemeClr val="accent1">
+              <a:shade val="50000"/>
+            </a:schemeClr>
+          </a:lnRef>
+          <a:fillRef idx="1">
+            <a:schemeClr val="accent1"/>
+          </a:fillRef>
+          <a:effectRef idx="0">
+            <a:schemeClr val="accent1"/>
+          </a:effectRef>
+          <a:fontRef idx="minor">
+            <a:schemeClr val="lt1"/>
+          </a:fontRef>
+        </p:style>
+        <p:txBody>
+          <a:bodyPr rtlCol="0" anchor="ctr"/>
+          <a:lstStyle/>
+          <a:p>
+            <a:pPr algn="ctr"/>
+            <a:endParaRPr lang="zh-TW" altLang="en-US"/>
+          </a:p>
+        </p:txBody>
+      </p:sp>
+      <p:cxnSp>
+        <p:nvCxnSpPr>
+          <p:cNvPr id="9" name="直線單箭頭接點 8">
+            <a:extLst>
+              <a:ext uri="{FF2B5EF4-FFF2-40B4-BE49-F238E27FC236}">
+                <a16:creationId xmlns:a16="http://schemas.microsoft.com/office/drawing/2014/main" id="{63C42030-05B1-4BBE-9D2C-BCE8907C716A}"/>
+              </a:ext>
+            </a:extLst>
+          </p:cNvPr>
+          <p:cNvCxnSpPr>
+            <a:cxnSpLocks/>
+          </p:cNvCxnSpPr>
+          <p:nvPr/>
+        </p:nvCxnSpPr>
+        <p:spPr>
+          <a:xfrm flipV="1">
+            <a:off x="4305299" y="2914650"/>
+            <a:ext cx="4562476" cy="2547194"/>
+          </a:xfrm>
+          <a:prstGeom prst="straightConnector1">
+            <a:avLst/>
+          </a:prstGeom>
+          <a:ln w="57150">
+            <a:solidFill>
+              <a:srgbClr val="FF0000"/>
+            </a:solidFill>
+            <a:headEnd type="none" w="med" len="med"/>
+            <a:tailEnd type="arrow" w="med" len="med"/>
+          </a:ln>
+        </p:spPr>
+        <p:style>
+          <a:lnRef idx="1">
+            <a:schemeClr val="accent1"/>
+          </a:lnRef>
+          <a:fillRef idx="0">
+            <a:schemeClr val="accent1"/>
+          </a:fillRef>
+          <a:effectRef idx="0">
+            <a:schemeClr val="accent1"/>
+          </a:effectRef>
+          <a:fontRef idx="minor">
+            <a:schemeClr val="tx1"/>
+          </a:fontRef>
+        </p:style>
+      </p:cxnSp>
+    </p:spTree>
+    <p:extLst>
+      <p:ext uri="{BB962C8B-B14F-4D97-AF65-F5344CB8AC3E}">
+        <p14:creationId xmlns:p14="http://schemas.microsoft.com/office/powerpoint/2010/main" val="3568099930"/>
+      </p:ext>
+    </p:extLst>
+  </p:cSld>
+  <p:clrMapOvr>
+    <a:masterClrMapping/>
+  </p:clrMapOvr>
+</p:sld>
+</file>
+
+<file path=ppt/slides/slide15.xml><?xml version="1.0" encoding="utf-8"?>
+<p:sld xmlns:a="http://schemas.openxmlformats.org/drawingml/2006/main" xmlns:r="http://schemas.openxmlformats.org/officeDocument/2006/relationships" xmlns:p="http://schemas.openxmlformats.org/presentationml/2006/main">
+  <p:cSld>
+    <p:spTree>
+      <p:nvGrpSpPr>
+        <p:cNvPr id="1" name=""/>
+        <p:cNvGrpSpPr/>
+        <p:nvPr/>
+      </p:nvGrpSpPr>
+      <p:grpSpPr>
+        <a:xfrm>
+          <a:off x="0" y="0"/>
+          <a:ext cx="0" cy="0"/>
+          <a:chOff x="0" y="0"/>
+          <a:chExt cx="0" cy="0"/>
+        </a:xfrm>
+      </p:grpSpPr>
+      <p:pic>
+        <p:nvPicPr>
+          <p:cNvPr id="3" name="圖片 2">
+            <a:extLst>
+              <a:ext uri="{FF2B5EF4-FFF2-40B4-BE49-F238E27FC236}">
+                <a16:creationId xmlns:a16="http://schemas.microsoft.com/office/drawing/2014/main" id="{7D1CE6FC-0A3C-4D35-93F5-15FAB9A26C77}"/>
+              </a:ext>
+            </a:extLst>
+          </p:cNvPr>
+          <p:cNvPicPr>
+            <a:picLocks noChangeAspect="1"/>
+          </p:cNvPicPr>
+          <p:nvPr/>
+        </p:nvPicPr>
+        <p:blipFill>
+          <a:blip r:embed="rId2"/>
+          <a:stretch>
+            <a:fillRect/>
+          </a:stretch>
+        </p:blipFill>
+        <p:spPr>
+          <a:xfrm>
+            <a:off x="2718120" y="0"/>
+            <a:ext cx="6755759" cy="6858000"/>
+          </a:xfrm>
+          <a:prstGeom prst="rect">
+            <a:avLst/>
+          </a:prstGeom>
+        </p:spPr>
+      </p:pic>
+      <p:sp>
+        <p:nvSpPr>
+          <p:cNvPr id="4" name="矩形 3">
+            <a:extLst>
+              <a:ext uri="{FF2B5EF4-FFF2-40B4-BE49-F238E27FC236}">
+                <a16:creationId xmlns:a16="http://schemas.microsoft.com/office/drawing/2014/main" id="{371983D3-D3CF-4D9A-B6B9-F0836EAEA11A}"/>
+              </a:ext>
+            </a:extLst>
+          </p:cNvPr>
+          <p:cNvSpPr/>
+          <p:nvPr/>
+        </p:nvSpPr>
+        <p:spPr>
+          <a:xfrm>
+            <a:off x="6311900" y="2010058"/>
+            <a:ext cx="2340000" cy="1980000"/>
+          </a:xfrm>
+          <a:prstGeom prst="rect">
+            <a:avLst/>
+          </a:prstGeom>
+          <a:noFill/>
+          <a:ln w="38100">
+            <a:solidFill>
+              <a:srgbClr val="FF0000"/>
+            </a:solidFill>
+          </a:ln>
+        </p:spPr>
+        <p:style>
+          <a:lnRef idx="2">
+            <a:schemeClr val="accent1">
+              <a:shade val="50000"/>
+            </a:schemeClr>
+          </a:lnRef>
+          <a:fillRef idx="1">
+            <a:schemeClr val="accent1"/>
+          </a:fillRef>
+          <a:effectRef idx="0">
+            <a:schemeClr val="accent1"/>
+          </a:effectRef>
+          <a:fontRef idx="minor">
+            <a:schemeClr val="lt1"/>
+          </a:fontRef>
+        </p:style>
+        <p:txBody>
+          <a:bodyPr rtlCol="0" anchor="ctr"/>
+          <a:lstStyle/>
+          <a:p>
+            <a:pPr algn="ctr"/>
+            <a:endParaRPr lang="zh-TW" altLang="en-US"/>
+          </a:p>
+        </p:txBody>
+      </p:sp>
     </p:spTree>
     <p:extLst>
       <p:ext uri="{BB962C8B-B14F-4D97-AF65-F5344CB8AC3E}">
@@ -3556,7 +6201,7 @@
 </p:sld>
 </file>
 
-<file path=ppt/slides/slide15.xml><?xml version="1.0" encoding="utf-8"?>
+<file path=ppt/slides/slide16.xml><?xml version="1.0" encoding="utf-8"?>
 <p:sld xmlns:a="http://schemas.openxmlformats.org/drawingml/2006/main" xmlns:r="http://schemas.openxmlformats.org/officeDocument/2006/relationships" xmlns:p="http://schemas.openxmlformats.org/presentationml/2006/main">
   <p:cSld>
     <p:spTree>
@@ -3586,7 +6231,7 @@
 </p:sld>
 </file>
 
-<file path=ppt/slides/slide16.xml><?xml version="1.0" encoding="utf-8"?>
+<file path=ppt/slides/slide17.xml><?xml version="1.0" encoding="utf-8"?>
 <p:sld xmlns:a="http://schemas.openxmlformats.org/drawingml/2006/main" xmlns:r="http://schemas.openxmlformats.org/officeDocument/2006/relationships" xmlns:p="http://schemas.openxmlformats.org/presentationml/2006/main">
   <p:cSld>
     <p:spTree>
@@ -3616,7 +6261,7 @@
 </p:sld>
 </file>
 
-<file path=ppt/slides/slide17.xml><?xml version="1.0" encoding="utf-8"?>
+<file path=ppt/slides/slide18.xml><?xml version="1.0" encoding="utf-8"?>
 <p:sld xmlns:a="http://schemas.openxmlformats.org/drawingml/2006/main" xmlns:r="http://schemas.openxmlformats.org/officeDocument/2006/relationships" xmlns:p="http://schemas.openxmlformats.org/presentationml/2006/main">
   <p:cSld>
     <p:spTree>
@@ -3646,7 +6291,7 @@
 </p:sld>
 </file>
 
-<file path=ppt/slides/slide18.xml><?xml version="1.0" encoding="utf-8"?>
+<file path=ppt/slides/slide19.xml><?xml version="1.0" encoding="utf-8"?>
 <p:sld xmlns:a="http://schemas.openxmlformats.org/drawingml/2006/main" xmlns:r="http://schemas.openxmlformats.org/officeDocument/2006/relationships" xmlns:p="http://schemas.openxmlformats.org/presentationml/2006/main">
   <p:cSld>
     <p:spTree>
@@ -3667,36 +6312,6 @@
     <p:extLst>
       <p:ext uri="{BB962C8B-B14F-4D97-AF65-F5344CB8AC3E}">
         <p14:creationId xmlns:p14="http://schemas.microsoft.com/office/powerpoint/2010/main" val="2699241808"/>
-      </p:ext>
-    </p:extLst>
-  </p:cSld>
-  <p:clrMapOvr>
-    <a:masterClrMapping/>
-  </p:clrMapOvr>
-</p:sld>
-</file>
-
-<file path=ppt/slides/slide19.xml><?xml version="1.0" encoding="utf-8"?>
-<p:sld xmlns:a="http://schemas.openxmlformats.org/drawingml/2006/main" xmlns:r="http://schemas.openxmlformats.org/officeDocument/2006/relationships" xmlns:p="http://schemas.openxmlformats.org/presentationml/2006/main">
-  <p:cSld>
-    <p:spTree>
-      <p:nvGrpSpPr>
-        <p:cNvPr id="1" name=""/>
-        <p:cNvGrpSpPr/>
-        <p:nvPr/>
-      </p:nvGrpSpPr>
-      <p:grpSpPr>
-        <a:xfrm>
-          <a:off x="0" y="0"/>
-          <a:ext cx="0" cy="0"/>
-          <a:chOff x="0" y="0"/>
-          <a:chExt cx="0" cy="0"/>
-        </a:xfrm>
-      </p:grpSpPr>
-    </p:spTree>
-    <p:extLst>
-      <p:ext uri="{BB962C8B-B14F-4D97-AF65-F5344CB8AC3E}">
-        <p14:creationId xmlns:p14="http://schemas.microsoft.com/office/powerpoint/2010/main" val="4148929435"/>
       </p:ext>
     </p:extLst>
   </p:cSld>
@@ -3838,7 +6453,7 @@
     </p:spTree>
     <p:extLst>
       <p:ext uri="{BB962C8B-B14F-4D97-AF65-F5344CB8AC3E}">
-        <p14:creationId xmlns:p14="http://schemas.microsoft.com/office/powerpoint/2010/main" val="3406659123"/>
+        <p14:creationId xmlns:p14="http://schemas.microsoft.com/office/powerpoint/2010/main" val="4148929435"/>
       </p:ext>
     </p:extLst>
   </p:cSld>
@@ -3868,7 +6483,7 @@
     </p:spTree>
     <p:extLst>
       <p:ext uri="{BB962C8B-B14F-4D97-AF65-F5344CB8AC3E}">
-        <p14:creationId xmlns:p14="http://schemas.microsoft.com/office/powerpoint/2010/main" val="1262282588"/>
+        <p14:creationId xmlns:p14="http://schemas.microsoft.com/office/powerpoint/2010/main" val="3406659123"/>
       </p:ext>
     </p:extLst>
   </p:cSld>
@@ -3898,7 +6513,7 @@
     </p:spTree>
     <p:extLst>
       <p:ext uri="{BB962C8B-B14F-4D97-AF65-F5344CB8AC3E}">
-        <p14:creationId xmlns:p14="http://schemas.microsoft.com/office/powerpoint/2010/main" val="3275327136"/>
+        <p14:creationId xmlns:p14="http://schemas.microsoft.com/office/powerpoint/2010/main" val="1262282588"/>
       </p:ext>
     </p:extLst>
   </p:cSld>
@@ -3928,7 +6543,7 @@
     </p:spTree>
     <p:extLst>
       <p:ext uri="{BB962C8B-B14F-4D97-AF65-F5344CB8AC3E}">
-        <p14:creationId xmlns:p14="http://schemas.microsoft.com/office/powerpoint/2010/main" val="771721999"/>
+        <p14:creationId xmlns:p14="http://schemas.microsoft.com/office/powerpoint/2010/main" val="3275327136"/>
       </p:ext>
     </p:extLst>
   </p:cSld>
@@ -3958,7 +6573,7 @@
     </p:spTree>
     <p:extLst>
       <p:ext uri="{BB962C8B-B14F-4D97-AF65-F5344CB8AC3E}">
-        <p14:creationId xmlns:p14="http://schemas.microsoft.com/office/powerpoint/2010/main" val="3807708408"/>
+        <p14:creationId xmlns:p14="http://schemas.microsoft.com/office/powerpoint/2010/main" val="771721999"/>
       </p:ext>
     </p:extLst>
   </p:cSld>
@@ -3988,7 +6603,7 @@
     </p:spTree>
     <p:extLst>
       <p:ext uri="{BB962C8B-B14F-4D97-AF65-F5344CB8AC3E}">
-        <p14:creationId xmlns:p14="http://schemas.microsoft.com/office/powerpoint/2010/main" val="1884686589"/>
+        <p14:creationId xmlns:p14="http://schemas.microsoft.com/office/powerpoint/2010/main" val="3807708408"/>
       </p:ext>
     </p:extLst>
   </p:cSld>
@@ -4018,7 +6633,7 @@
     </p:spTree>
     <p:extLst>
       <p:ext uri="{BB962C8B-B14F-4D97-AF65-F5344CB8AC3E}">
-        <p14:creationId xmlns:p14="http://schemas.microsoft.com/office/powerpoint/2010/main" val="1097360529"/>
+        <p14:creationId xmlns:p14="http://schemas.microsoft.com/office/powerpoint/2010/main" val="1884686589"/>
       </p:ext>
     </p:extLst>
   </p:cSld>
@@ -4048,7 +6663,7 @@
     </p:spTree>
     <p:extLst>
       <p:ext uri="{BB962C8B-B14F-4D97-AF65-F5344CB8AC3E}">
-        <p14:creationId xmlns:p14="http://schemas.microsoft.com/office/powerpoint/2010/main" val="3754491228"/>
+        <p14:creationId xmlns:p14="http://schemas.microsoft.com/office/powerpoint/2010/main" val="1097360529"/>
       </p:ext>
     </p:extLst>
   </p:cSld>
@@ -4078,7 +6693,7 @@
     </p:spTree>
     <p:extLst>
       <p:ext uri="{BB962C8B-B14F-4D97-AF65-F5344CB8AC3E}">
-        <p14:creationId xmlns:p14="http://schemas.microsoft.com/office/powerpoint/2010/main" val="85966440"/>
+        <p14:creationId xmlns:p14="http://schemas.microsoft.com/office/powerpoint/2010/main" val="3754491228"/>
       </p:ext>
     </p:extLst>
   </p:cSld>
@@ -4108,7 +6723,7 @@
     </p:spTree>
     <p:extLst>
       <p:ext uri="{BB962C8B-B14F-4D97-AF65-F5344CB8AC3E}">
-        <p14:creationId xmlns:p14="http://schemas.microsoft.com/office/powerpoint/2010/main" val="4261862474"/>
+        <p14:creationId xmlns:p14="http://schemas.microsoft.com/office/powerpoint/2010/main" val="85966440"/>
       </p:ext>
     </p:extLst>
   </p:cSld>
@@ -4256,7 +6871,7 @@
     </p:spTree>
     <p:extLst>
       <p:ext uri="{BB962C8B-B14F-4D97-AF65-F5344CB8AC3E}">
-        <p14:creationId xmlns:p14="http://schemas.microsoft.com/office/powerpoint/2010/main" val="1324192380"/>
+        <p14:creationId xmlns:p14="http://schemas.microsoft.com/office/powerpoint/2010/main" val="4261862474"/>
       </p:ext>
     </p:extLst>
   </p:cSld>
@@ -4286,7 +6901,7 @@
     </p:spTree>
     <p:extLst>
       <p:ext uri="{BB962C8B-B14F-4D97-AF65-F5344CB8AC3E}">
-        <p14:creationId xmlns:p14="http://schemas.microsoft.com/office/powerpoint/2010/main" val="680963321"/>
+        <p14:creationId xmlns:p14="http://schemas.microsoft.com/office/powerpoint/2010/main" val="1324192380"/>
       </p:ext>
     </p:extLst>
   </p:cSld>
@@ -4316,7 +6931,7 @@
     </p:spTree>
     <p:extLst>
       <p:ext uri="{BB962C8B-B14F-4D97-AF65-F5344CB8AC3E}">
-        <p14:creationId xmlns:p14="http://schemas.microsoft.com/office/powerpoint/2010/main" val="2221573407"/>
+        <p14:creationId xmlns:p14="http://schemas.microsoft.com/office/powerpoint/2010/main" val="680963321"/>
       </p:ext>
     </p:extLst>
   </p:cSld>
@@ -4346,7 +6961,7 @@
     </p:spTree>
     <p:extLst>
       <p:ext uri="{BB962C8B-B14F-4D97-AF65-F5344CB8AC3E}">
-        <p14:creationId xmlns:p14="http://schemas.microsoft.com/office/powerpoint/2010/main" val="897862772"/>
+        <p14:creationId xmlns:p14="http://schemas.microsoft.com/office/powerpoint/2010/main" val="2221573407"/>
       </p:ext>
     </p:extLst>
   </p:cSld>
@@ -4376,7 +6991,7 @@
     </p:spTree>
     <p:extLst>
       <p:ext uri="{BB962C8B-B14F-4D97-AF65-F5344CB8AC3E}">
-        <p14:creationId xmlns:p14="http://schemas.microsoft.com/office/powerpoint/2010/main" val="1632675866"/>
+        <p14:creationId xmlns:p14="http://schemas.microsoft.com/office/powerpoint/2010/main" val="897862772"/>
       </p:ext>
     </p:extLst>
   </p:cSld>
@@ -4406,7 +7021,7 @@
     </p:spTree>
     <p:extLst>
       <p:ext uri="{BB962C8B-B14F-4D97-AF65-F5344CB8AC3E}">
-        <p14:creationId xmlns:p14="http://schemas.microsoft.com/office/powerpoint/2010/main" val="2998077160"/>
+        <p14:creationId xmlns:p14="http://schemas.microsoft.com/office/powerpoint/2010/main" val="1632675866"/>
       </p:ext>
     </p:extLst>
   </p:cSld>
@@ -4436,7 +7051,7 @@
     </p:spTree>
     <p:extLst>
       <p:ext uri="{BB962C8B-B14F-4D97-AF65-F5344CB8AC3E}">
-        <p14:creationId xmlns:p14="http://schemas.microsoft.com/office/powerpoint/2010/main" val="389622250"/>
+        <p14:creationId xmlns:p14="http://schemas.microsoft.com/office/powerpoint/2010/main" val="2998077160"/>
       </p:ext>
     </p:extLst>
   </p:cSld>
@@ -4466,6 +7081,36 @@
     </p:spTree>
     <p:extLst>
       <p:ext uri="{BB962C8B-B14F-4D97-AF65-F5344CB8AC3E}">
+        <p14:creationId xmlns:p14="http://schemas.microsoft.com/office/powerpoint/2010/main" val="389622250"/>
+      </p:ext>
+    </p:extLst>
+  </p:cSld>
+  <p:clrMapOvr>
+    <a:masterClrMapping/>
+  </p:clrMapOvr>
+</p:sld>
+</file>
+
+<file path=ppt/slides/slide38.xml><?xml version="1.0" encoding="utf-8"?>
+<p:sld xmlns:a="http://schemas.openxmlformats.org/drawingml/2006/main" xmlns:r="http://schemas.openxmlformats.org/officeDocument/2006/relationships" xmlns:p="http://schemas.openxmlformats.org/presentationml/2006/main">
+  <p:cSld>
+    <p:spTree>
+      <p:nvGrpSpPr>
+        <p:cNvPr id="1" name=""/>
+        <p:cNvGrpSpPr/>
+        <p:nvPr/>
+      </p:nvGrpSpPr>
+      <p:grpSpPr>
+        <a:xfrm>
+          <a:off x="0" y="0"/>
+          <a:ext cx="0" cy="0"/>
+          <a:chOff x="0" y="0"/>
+          <a:chExt cx="0" cy="0"/>
+        </a:xfrm>
+      </p:grpSpPr>
+    </p:spTree>
+    <p:extLst>
+      <p:ext uri="{BB962C8B-B14F-4D97-AF65-F5344CB8AC3E}">
         <p14:creationId xmlns:p14="http://schemas.microsoft.com/office/powerpoint/2010/main" val="1835178302"/>
       </p:ext>
     </p:extLst>
@@ -4476,7 +7121,7 @@
 </p:sld>
 </file>
 
-<file path=ppt/slides/slide38.xml><?xml version="1.0" encoding="utf-8"?>
+<file path=ppt/slides/slide39.xml><?xml version="1.0" encoding="utf-8"?>
 <p:sld xmlns:a="http://schemas.openxmlformats.org/drawingml/2006/main" xmlns:r="http://schemas.openxmlformats.org/officeDocument/2006/relationships" xmlns:p="http://schemas.openxmlformats.org/presentationml/2006/main">
   <p:cSld>
     <p:spTree>
@@ -7700,10 +10345,10 @@
       </p:grpSpPr>
       <p:pic>
         <p:nvPicPr>
-          <p:cNvPr id="11" name="圖片 10">
-            <a:extLst>
-              <a:ext uri="{FF2B5EF4-FFF2-40B4-BE49-F238E27FC236}">
-                <a16:creationId xmlns:a16="http://schemas.microsoft.com/office/drawing/2014/main" id="{D587915E-9A32-4433-80A8-AB20EF7854B5}"/>
+          <p:cNvPr id="2" name="圖片 1">
+            <a:extLst>
+              <a:ext uri="{FF2B5EF4-FFF2-40B4-BE49-F238E27FC236}">
+                <a16:creationId xmlns:a16="http://schemas.microsoft.com/office/drawing/2014/main" id="{AE561D13-1B43-4002-A70F-672BE6B3157D}"/>
               </a:ext>
             </a:extLst>
           </p:cNvPr>
@@ -7713,14 +10358,20 @@
           <p:nvPr/>
         </p:nvPicPr>
         <p:blipFill>
-          <a:blip r:embed="rId2"/>
+          <a:blip r:embed="rId2">
+            <a:extLst>
+              <a:ext uri="{28A0092B-C50C-407E-A947-70E740481C1C}">
+                <a14:useLocalDpi xmlns:a14="http://schemas.microsoft.com/office/drawing/2010/main" val="0"/>
+              </a:ext>
+            </a:extLst>
+          </a:blip>
           <a:stretch>
             <a:fillRect/>
           </a:stretch>
         </p:blipFill>
         <p:spPr>
           <a:xfrm>
-            <a:off x="2718120" y="0"/>
+            <a:off x="0" y="0"/>
             <a:ext cx="6755759" cy="6858000"/>
           </a:xfrm>
           <a:prstGeom prst="rect">
@@ -7730,10 +10381,10 @@
       </p:pic>
       <p:sp>
         <p:nvSpPr>
-          <p:cNvPr id="4" name="矩形 3">
-            <a:extLst>
-              <a:ext uri="{FF2B5EF4-FFF2-40B4-BE49-F238E27FC236}">
-                <a16:creationId xmlns:a16="http://schemas.microsoft.com/office/drawing/2014/main" id="{B4A34ADF-5CA8-4984-8C72-AF8BBCF54888}"/>
+          <p:cNvPr id="3" name="矩形 2">
+            <a:extLst>
+              <a:ext uri="{FF2B5EF4-FFF2-40B4-BE49-F238E27FC236}">
+                <a16:creationId xmlns:a16="http://schemas.microsoft.com/office/drawing/2014/main" id="{59732AD1-3BCD-4071-9E05-78B1B823F6A2}"/>
               </a:ext>
             </a:extLst>
           </p:cNvPr>
@@ -7742,8 +10393,8 @@
         </p:nvSpPr>
         <p:spPr>
           <a:xfrm>
-            <a:off x="5712842" y="674492"/>
-            <a:ext cx="1440000" cy="450000"/>
+            <a:off x="5557137" y="706923"/>
+            <a:ext cx="540000" cy="450000"/>
           </a:xfrm>
           <a:prstGeom prst="rect">
             <a:avLst/>
@@ -7782,10 +10433,10 @@
       </p:sp>
       <p:cxnSp>
         <p:nvCxnSpPr>
-          <p:cNvPr id="5" name="直線單箭頭接點 4">
-            <a:extLst>
-              <a:ext uri="{FF2B5EF4-FFF2-40B4-BE49-F238E27FC236}">
-                <a16:creationId xmlns:a16="http://schemas.microsoft.com/office/drawing/2014/main" id="{95BA547A-A32C-4FC5-88E3-BA2D2C9B9598}"/>
+          <p:cNvPr id="4" name="直線單箭頭接點 3">
+            <a:extLst>
+              <a:ext uri="{FF2B5EF4-FFF2-40B4-BE49-F238E27FC236}">
+                <a16:creationId xmlns:a16="http://schemas.microsoft.com/office/drawing/2014/main" id="{0797AE48-9D8B-44AC-8AC7-E9F0735D1B51}"/>
               </a:ext>
             </a:extLst>
           </p:cNvPr>
@@ -7795,9 +10446,9 @@
           <p:nvPr/>
         </p:nvCxnSpPr>
         <p:spPr>
-          <a:xfrm>
-            <a:off x="6510360" y="1349098"/>
-            <a:ext cx="0" cy="1161873"/>
+          <a:xfrm flipH="1">
+            <a:off x="4165600" y="1356869"/>
+            <a:ext cx="1450846" cy="2649074"/>
           </a:xfrm>
           <a:prstGeom prst="straightConnector1">
             <a:avLst/>
@@ -7827,10 +10478,10 @@
       </p:cxnSp>
       <p:sp>
         <p:nvSpPr>
-          <p:cNvPr id="6" name="矩形 5">
-            <a:extLst>
-              <a:ext uri="{FF2B5EF4-FFF2-40B4-BE49-F238E27FC236}">
-                <a16:creationId xmlns:a16="http://schemas.microsoft.com/office/drawing/2014/main" id="{09BB0D6F-CC0E-4280-B7AB-BDC7441CB0DF}"/>
+          <p:cNvPr id="5" name="矩形 4">
+            <a:extLst>
+              <a:ext uri="{FF2B5EF4-FFF2-40B4-BE49-F238E27FC236}">
+                <a16:creationId xmlns:a16="http://schemas.microsoft.com/office/drawing/2014/main" id="{7E3677C9-146A-43C7-8C6B-C22A3BCA42ED}"/>
               </a:ext>
             </a:extLst>
           </p:cNvPr>
@@ -7839,8 +10490,8 @@
         </p:nvSpPr>
         <p:spPr>
           <a:xfrm>
-            <a:off x="5109581" y="2822793"/>
-            <a:ext cx="2520000" cy="450000"/>
+            <a:off x="3539652" y="4146808"/>
+            <a:ext cx="900000" cy="450000"/>
           </a:xfrm>
           <a:prstGeom prst="rect">
             <a:avLst/>
@@ -7879,10 +10530,10 @@
       </p:sp>
       <p:pic>
         <p:nvPicPr>
-          <p:cNvPr id="9" name="圖片 8">
-            <a:extLst>
-              <a:ext uri="{FF2B5EF4-FFF2-40B4-BE49-F238E27FC236}">
-                <a16:creationId xmlns:a16="http://schemas.microsoft.com/office/drawing/2014/main" id="{F34847FF-6050-4D07-8529-95F08C344D5D}"/>
+          <p:cNvPr id="6" name="圖片 5">
+            <a:extLst>
+              <a:ext uri="{FF2B5EF4-FFF2-40B4-BE49-F238E27FC236}">
+                <a16:creationId xmlns:a16="http://schemas.microsoft.com/office/drawing/2014/main" id="{05FD90EB-5A0B-48E1-B50A-41D44F80F589}"/>
               </a:ext>
             </a:extLst>
           </p:cNvPr>
@@ -7892,41 +10543,33 @@
           <p:nvPr/>
         </p:nvPicPr>
         <p:blipFill>
-          <a:blip r:embed="rId3"/>
+          <a:blip r:embed="rId3">
+            <a:extLst>
+              <a:ext uri="{28A0092B-C50C-407E-A947-70E740481C1C}">
+                <a14:useLocalDpi xmlns:a14="http://schemas.microsoft.com/office/drawing/2010/main" val="0"/>
+              </a:ext>
+            </a:extLst>
+          </a:blip>
           <a:stretch>
             <a:fillRect/>
           </a:stretch>
         </p:blipFill>
         <p:spPr>
           <a:xfrm>
-            <a:off x="8044604" y="295275"/>
-            <a:ext cx="3952875" cy="6267450"/>
+            <a:off x="6404166" y="-665928"/>
+            <a:ext cx="6755759" cy="6858000"/>
           </a:xfrm>
           <a:prstGeom prst="rect">
             <a:avLst/>
           </a:prstGeom>
-          <a:ln w="38100" cap="sq">
-            <a:solidFill>
-              <a:srgbClr val="000000"/>
-            </a:solidFill>
-            <a:prstDash val="solid"/>
-            <a:miter lim="800000"/>
-          </a:ln>
-          <a:effectLst>
-            <a:outerShdw blurRad="50800" dist="38100" dir="2700000" algn="tl" rotWithShape="0">
-              <a:srgbClr val="000000">
-                <a:alpha val="43000"/>
-              </a:srgbClr>
-            </a:outerShdw>
-          </a:effectLst>
         </p:spPr>
       </p:pic>
       <p:sp>
         <p:nvSpPr>
-          <p:cNvPr id="12" name="矩形 11">
-            <a:extLst>
-              <a:ext uri="{FF2B5EF4-FFF2-40B4-BE49-F238E27FC236}">
-                <a16:creationId xmlns:a16="http://schemas.microsoft.com/office/drawing/2014/main" id="{53AA7D96-4548-47A7-AF14-B3A410AF8247}"/>
+          <p:cNvPr id="7" name="矩形 6">
+            <a:extLst>
+              <a:ext uri="{FF2B5EF4-FFF2-40B4-BE49-F238E27FC236}">
+                <a16:creationId xmlns:a16="http://schemas.microsoft.com/office/drawing/2014/main" id="{E58E244D-15BD-4A3C-8711-7745161D13CA}"/>
               </a:ext>
             </a:extLst>
           </p:cNvPr>
@@ -7935,8 +10578,8 @@
         </p:nvSpPr>
         <p:spPr>
           <a:xfrm>
-            <a:off x="9495552" y="572894"/>
-            <a:ext cx="1620000" cy="450000"/>
+            <a:off x="7015459" y="1548072"/>
+            <a:ext cx="720000" cy="360000"/>
           </a:xfrm>
           <a:prstGeom prst="rect">
             <a:avLst/>
@@ -7973,10 +10616,337 @@
           </a:p>
         </p:txBody>
       </p:sp>
+      <p:sp>
+        <p:nvSpPr>
+          <p:cNvPr id="8" name="矩形 7">
+            <a:extLst>
+              <a:ext uri="{FF2B5EF4-FFF2-40B4-BE49-F238E27FC236}">
+                <a16:creationId xmlns:a16="http://schemas.microsoft.com/office/drawing/2014/main" id="{BD40D37C-703B-4413-B04B-A7E716595C80}"/>
+              </a:ext>
+            </a:extLst>
+          </p:cNvPr>
+          <p:cNvSpPr/>
+          <p:nvPr/>
+        </p:nvSpPr>
+        <p:spPr>
+          <a:xfrm>
+            <a:off x="12897694" y="40993"/>
+            <a:ext cx="360000" cy="2070000"/>
+          </a:xfrm>
+          <a:prstGeom prst="rect">
+            <a:avLst/>
+          </a:prstGeom>
+          <a:noFill/>
+          <a:ln w="38100">
+            <a:solidFill>
+              <a:srgbClr val="FF0000"/>
+            </a:solidFill>
+          </a:ln>
+        </p:spPr>
+        <p:style>
+          <a:lnRef idx="2">
+            <a:schemeClr val="accent1">
+              <a:shade val="50000"/>
+            </a:schemeClr>
+          </a:lnRef>
+          <a:fillRef idx="1">
+            <a:schemeClr val="accent1"/>
+          </a:fillRef>
+          <a:effectRef idx="0">
+            <a:schemeClr val="accent1"/>
+          </a:effectRef>
+          <a:fontRef idx="minor">
+            <a:schemeClr val="lt1"/>
+          </a:fontRef>
+        </p:style>
+        <p:txBody>
+          <a:bodyPr rtlCol="0" anchor="ctr"/>
+          <a:lstStyle/>
+          <a:p>
+            <a:pPr algn="ctr"/>
+            <a:endParaRPr lang="zh-TW" altLang="en-US"/>
+          </a:p>
+        </p:txBody>
+      </p:sp>
+      <p:pic>
+        <p:nvPicPr>
+          <p:cNvPr id="9" name="圖片 8">
+            <a:extLst>
+              <a:ext uri="{FF2B5EF4-FFF2-40B4-BE49-F238E27FC236}">
+                <a16:creationId xmlns:a16="http://schemas.microsoft.com/office/drawing/2014/main" id="{B644E545-CB82-47E9-A3F9-DCAFC014AE05}"/>
+              </a:ext>
+            </a:extLst>
+          </p:cNvPr>
+          <p:cNvPicPr>
+            <a:picLocks noChangeAspect="1"/>
+          </p:cNvPicPr>
+          <p:nvPr/>
+        </p:nvPicPr>
+        <p:blipFill>
+          <a:blip r:embed="rId4">
+            <a:extLst>
+              <a:ext uri="{28A0092B-C50C-407E-A947-70E740481C1C}">
+                <a14:useLocalDpi xmlns:a14="http://schemas.microsoft.com/office/drawing/2010/main" val="0"/>
+              </a:ext>
+            </a:extLst>
+          </a:blip>
+          <a:stretch>
+            <a:fillRect/>
+          </a:stretch>
+        </p:blipFill>
+        <p:spPr>
+          <a:xfrm>
+            <a:off x="6404166" y="2255072"/>
+            <a:ext cx="6755759" cy="6858000"/>
+          </a:xfrm>
+          <a:prstGeom prst="rect">
+            <a:avLst/>
+          </a:prstGeom>
+        </p:spPr>
+      </p:pic>
+      <p:sp>
+        <p:nvSpPr>
+          <p:cNvPr id="10" name="矩形 9">
+            <a:extLst>
+              <a:ext uri="{FF2B5EF4-FFF2-40B4-BE49-F238E27FC236}">
+                <a16:creationId xmlns:a16="http://schemas.microsoft.com/office/drawing/2014/main" id="{F4D26BCB-282E-4E17-BF19-08E65073645C}"/>
+              </a:ext>
+            </a:extLst>
+          </p:cNvPr>
+          <p:cNvSpPr/>
+          <p:nvPr/>
+        </p:nvSpPr>
+        <p:spPr>
+          <a:xfrm>
+            <a:off x="12897694" y="4649072"/>
+            <a:ext cx="360000" cy="2070000"/>
+          </a:xfrm>
+          <a:prstGeom prst="rect">
+            <a:avLst/>
+          </a:prstGeom>
+          <a:noFill/>
+          <a:ln w="38100">
+            <a:solidFill>
+              <a:srgbClr val="FF0000"/>
+            </a:solidFill>
+          </a:ln>
+        </p:spPr>
+        <p:style>
+          <a:lnRef idx="2">
+            <a:schemeClr val="accent1">
+              <a:shade val="50000"/>
+            </a:schemeClr>
+          </a:lnRef>
+          <a:fillRef idx="1">
+            <a:schemeClr val="accent1"/>
+          </a:fillRef>
+          <a:effectRef idx="0">
+            <a:schemeClr val="accent1"/>
+          </a:effectRef>
+          <a:fontRef idx="minor">
+            <a:schemeClr val="lt1"/>
+          </a:fontRef>
+        </p:style>
+        <p:txBody>
+          <a:bodyPr rtlCol="0" anchor="ctr"/>
+          <a:lstStyle/>
+          <a:p>
+            <a:pPr algn="ctr"/>
+            <a:endParaRPr lang="zh-TW" altLang="en-US"/>
+          </a:p>
+        </p:txBody>
+      </p:sp>
+      <p:cxnSp>
+        <p:nvCxnSpPr>
+          <p:cNvPr id="11" name="直線單箭頭接點 10">
+            <a:extLst>
+              <a:ext uri="{FF2B5EF4-FFF2-40B4-BE49-F238E27FC236}">
+                <a16:creationId xmlns:a16="http://schemas.microsoft.com/office/drawing/2014/main" id="{E6732A1E-DECA-4449-AAF8-307B6BA6EEDA}"/>
+              </a:ext>
+            </a:extLst>
+          </p:cNvPr>
+          <p:cNvCxnSpPr>
+            <a:cxnSpLocks/>
+          </p:cNvCxnSpPr>
+          <p:nvPr/>
+        </p:nvCxnSpPr>
+        <p:spPr>
+          <a:xfrm>
+            <a:off x="13077694" y="2323054"/>
+            <a:ext cx="0" cy="2181939"/>
+          </a:xfrm>
+          <a:prstGeom prst="straightConnector1">
+            <a:avLst/>
+          </a:prstGeom>
+          <a:ln w="57150">
+            <a:solidFill>
+              <a:srgbClr val="FF0000"/>
+            </a:solidFill>
+            <a:headEnd type="none" w="med" len="med"/>
+            <a:tailEnd type="arrow" w="med" len="med"/>
+          </a:ln>
+        </p:spPr>
+        <p:style>
+          <a:lnRef idx="1">
+            <a:schemeClr val="accent1"/>
+          </a:lnRef>
+          <a:fillRef idx="0">
+            <a:schemeClr val="accent1"/>
+          </a:fillRef>
+          <a:effectRef idx="0">
+            <a:schemeClr val="accent1"/>
+          </a:effectRef>
+          <a:fontRef idx="minor">
+            <a:schemeClr val="tx1"/>
+          </a:fontRef>
+        </p:style>
+      </p:cxnSp>
+      <p:cxnSp>
+        <p:nvCxnSpPr>
+          <p:cNvPr id="12" name="直線單箭頭接點 11">
+            <a:extLst>
+              <a:ext uri="{FF2B5EF4-FFF2-40B4-BE49-F238E27FC236}">
+                <a16:creationId xmlns:a16="http://schemas.microsoft.com/office/drawing/2014/main" id="{A64F6D15-059C-44A1-A9A8-F89FF5C089A2}"/>
+              </a:ext>
+            </a:extLst>
+          </p:cNvPr>
+          <p:cNvCxnSpPr>
+            <a:cxnSpLocks/>
+          </p:cNvCxnSpPr>
+          <p:nvPr/>
+        </p:nvCxnSpPr>
+        <p:spPr>
+          <a:xfrm flipV="1">
+            <a:off x="4651997" y="2034212"/>
+            <a:ext cx="2265693" cy="2318732"/>
+          </a:xfrm>
+          <a:prstGeom prst="straightConnector1">
+            <a:avLst/>
+          </a:prstGeom>
+          <a:ln w="57150">
+            <a:solidFill>
+              <a:srgbClr val="FF0000"/>
+            </a:solidFill>
+            <a:headEnd type="none" w="med" len="med"/>
+            <a:tailEnd type="arrow" w="med" len="med"/>
+          </a:ln>
+        </p:spPr>
+        <p:style>
+          <a:lnRef idx="1">
+            <a:schemeClr val="accent1"/>
+          </a:lnRef>
+          <a:fillRef idx="0">
+            <a:schemeClr val="accent1"/>
+          </a:fillRef>
+          <a:effectRef idx="0">
+            <a:schemeClr val="accent1"/>
+          </a:effectRef>
+          <a:fontRef idx="minor">
+            <a:schemeClr val="tx1"/>
+          </a:fontRef>
+        </p:style>
+      </p:cxnSp>
+      <p:sp>
+        <p:nvSpPr>
+          <p:cNvPr id="13" name="矩形 12">
+            <a:extLst>
+              <a:ext uri="{FF2B5EF4-FFF2-40B4-BE49-F238E27FC236}">
+                <a16:creationId xmlns:a16="http://schemas.microsoft.com/office/drawing/2014/main" id="{0E58B6C8-5E30-4093-90C4-A02B9128D741}"/>
+              </a:ext>
+            </a:extLst>
+          </p:cNvPr>
+          <p:cNvSpPr/>
+          <p:nvPr/>
+        </p:nvSpPr>
+        <p:spPr>
+          <a:xfrm>
+            <a:off x="8615611" y="6192072"/>
+            <a:ext cx="2705532" cy="876388"/>
+          </a:xfrm>
+          <a:prstGeom prst="rect">
+            <a:avLst/>
+          </a:prstGeom>
+          <a:noFill/>
+          <a:ln w="38100">
+            <a:solidFill>
+              <a:srgbClr val="FF0000"/>
+            </a:solidFill>
+          </a:ln>
+        </p:spPr>
+        <p:style>
+          <a:lnRef idx="2">
+            <a:schemeClr val="accent1">
+              <a:shade val="50000"/>
+            </a:schemeClr>
+          </a:lnRef>
+          <a:fillRef idx="1">
+            <a:schemeClr val="accent1"/>
+          </a:fillRef>
+          <a:effectRef idx="0">
+            <a:schemeClr val="accent1"/>
+          </a:effectRef>
+          <a:fontRef idx="minor">
+            <a:schemeClr val="lt1"/>
+          </a:fontRef>
+        </p:style>
+        <p:txBody>
+          <a:bodyPr rtlCol="0" anchor="ctr"/>
+          <a:lstStyle/>
+          <a:p>
+            <a:pPr algn="ctr"/>
+            <a:endParaRPr lang="zh-TW" altLang="en-US"/>
+          </a:p>
+        </p:txBody>
+      </p:sp>
+      <p:cxnSp>
+        <p:nvCxnSpPr>
+          <p:cNvPr id="14" name="直線單箭頭接點 13">
+            <a:extLst>
+              <a:ext uri="{FF2B5EF4-FFF2-40B4-BE49-F238E27FC236}">
+                <a16:creationId xmlns:a16="http://schemas.microsoft.com/office/drawing/2014/main" id="{1C078A7B-4984-4AA5-A37E-A6D237F6BD79}"/>
+              </a:ext>
+            </a:extLst>
+          </p:cNvPr>
+          <p:cNvCxnSpPr>
+            <a:cxnSpLocks/>
+          </p:cNvCxnSpPr>
+          <p:nvPr/>
+        </p:nvCxnSpPr>
+        <p:spPr>
+          <a:xfrm>
+            <a:off x="7543479" y="2110993"/>
+            <a:ext cx="1019286" cy="3986178"/>
+          </a:xfrm>
+          <a:prstGeom prst="straightConnector1">
+            <a:avLst/>
+          </a:prstGeom>
+          <a:ln w="57150">
+            <a:solidFill>
+              <a:srgbClr val="FF0000"/>
+            </a:solidFill>
+            <a:headEnd type="none" w="med" len="med"/>
+            <a:tailEnd type="arrow" w="med" len="med"/>
+          </a:ln>
+        </p:spPr>
+        <p:style>
+          <a:lnRef idx="1">
+            <a:schemeClr val="accent1"/>
+          </a:lnRef>
+          <a:fillRef idx="0">
+            <a:schemeClr val="accent1"/>
+          </a:fillRef>
+          <a:effectRef idx="0">
+            <a:schemeClr val="accent1"/>
+          </a:effectRef>
+          <a:fontRef idx="minor">
+            <a:schemeClr val="tx1"/>
+          </a:fontRef>
+        </p:style>
+      </p:cxnSp>
     </p:spTree>
     <p:extLst>
       <p:ext uri="{BB962C8B-B14F-4D97-AF65-F5344CB8AC3E}">
-        <p14:creationId xmlns:p14="http://schemas.microsoft.com/office/powerpoint/2010/main" val="720990256"/>
+        <p14:creationId xmlns:p14="http://schemas.microsoft.com/office/powerpoint/2010/main" val="2226051885"/>
       </p:ext>
     </p:extLst>
   </p:cSld>
@@ -8003,10 +10973,285 @@
           <a:chExt cx="0" cy="0"/>
         </a:xfrm>
       </p:grpSpPr>
+      <p:pic>
+        <p:nvPicPr>
+          <p:cNvPr id="11" name="圖片 10">
+            <a:extLst>
+              <a:ext uri="{FF2B5EF4-FFF2-40B4-BE49-F238E27FC236}">
+                <a16:creationId xmlns:a16="http://schemas.microsoft.com/office/drawing/2014/main" id="{D587915E-9A32-4433-80A8-AB20EF7854B5}"/>
+              </a:ext>
+            </a:extLst>
+          </p:cNvPr>
+          <p:cNvPicPr>
+            <a:picLocks noChangeAspect="1"/>
+          </p:cNvPicPr>
+          <p:nvPr/>
+        </p:nvPicPr>
+        <p:blipFill>
+          <a:blip r:embed="rId2"/>
+          <a:stretch>
+            <a:fillRect/>
+          </a:stretch>
+        </p:blipFill>
+        <p:spPr>
+          <a:xfrm>
+            <a:off x="2718120" y="0"/>
+            <a:ext cx="6755759" cy="6858000"/>
+          </a:xfrm>
+          <a:prstGeom prst="rect">
+            <a:avLst/>
+          </a:prstGeom>
+        </p:spPr>
+      </p:pic>
+      <p:sp>
+        <p:nvSpPr>
+          <p:cNvPr id="4" name="矩形 3">
+            <a:extLst>
+              <a:ext uri="{FF2B5EF4-FFF2-40B4-BE49-F238E27FC236}">
+                <a16:creationId xmlns:a16="http://schemas.microsoft.com/office/drawing/2014/main" id="{B4A34ADF-5CA8-4984-8C72-AF8BBCF54888}"/>
+              </a:ext>
+            </a:extLst>
+          </p:cNvPr>
+          <p:cNvSpPr/>
+          <p:nvPr/>
+        </p:nvSpPr>
+        <p:spPr>
+          <a:xfrm>
+            <a:off x="5712842" y="674492"/>
+            <a:ext cx="1440000" cy="450000"/>
+          </a:xfrm>
+          <a:prstGeom prst="rect">
+            <a:avLst/>
+          </a:prstGeom>
+          <a:noFill/>
+          <a:ln w="38100">
+            <a:solidFill>
+              <a:srgbClr val="FF0000"/>
+            </a:solidFill>
+          </a:ln>
+        </p:spPr>
+        <p:style>
+          <a:lnRef idx="2">
+            <a:schemeClr val="accent1">
+              <a:shade val="50000"/>
+            </a:schemeClr>
+          </a:lnRef>
+          <a:fillRef idx="1">
+            <a:schemeClr val="accent1"/>
+          </a:fillRef>
+          <a:effectRef idx="0">
+            <a:schemeClr val="accent1"/>
+          </a:effectRef>
+          <a:fontRef idx="minor">
+            <a:schemeClr val="lt1"/>
+          </a:fontRef>
+        </p:style>
+        <p:txBody>
+          <a:bodyPr rtlCol="0" anchor="ctr"/>
+          <a:lstStyle/>
+          <a:p>
+            <a:pPr algn="ctr"/>
+            <a:endParaRPr lang="zh-TW" altLang="en-US"/>
+          </a:p>
+        </p:txBody>
+      </p:sp>
+      <p:cxnSp>
+        <p:nvCxnSpPr>
+          <p:cNvPr id="5" name="直線單箭頭接點 4">
+            <a:extLst>
+              <a:ext uri="{FF2B5EF4-FFF2-40B4-BE49-F238E27FC236}">
+                <a16:creationId xmlns:a16="http://schemas.microsoft.com/office/drawing/2014/main" id="{95BA547A-A32C-4FC5-88E3-BA2D2C9B9598}"/>
+              </a:ext>
+            </a:extLst>
+          </p:cNvPr>
+          <p:cNvCxnSpPr>
+            <a:cxnSpLocks/>
+          </p:cNvCxnSpPr>
+          <p:nvPr/>
+        </p:nvCxnSpPr>
+        <p:spPr>
+          <a:xfrm>
+            <a:off x="6510360" y="1349098"/>
+            <a:ext cx="0" cy="1161873"/>
+          </a:xfrm>
+          <a:prstGeom prst="straightConnector1">
+            <a:avLst/>
+          </a:prstGeom>
+          <a:ln w="57150">
+            <a:solidFill>
+              <a:srgbClr val="FF0000"/>
+            </a:solidFill>
+            <a:headEnd type="none" w="med" len="med"/>
+            <a:tailEnd type="arrow" w="med" len="med"/>
+          </a:ln>
+        </p:spPr>
+        <p:style>
+          <a:lnRef idx="1">
+            <a:schemeClr val="accent1"/>
+          </a:lnRef>
+          <a:fillRef idx="0">
+            <a:schemeClr val="accent1"/>
+          </a:fillRef>
+          <a:effectRef idx="0">
+            <a:schemeClr val="accent1"/>
+          </a:effectRef>
+          <a:fontRef idx="minor">
+            <a:schemeClr val="tx1"/>
+          </a:fontRef>
+        </p:style>
+      </p:cxnSp>
+      <p:sp>
+        <p:nvSpPr>
+          <p:cNvPr id="6" name="矩形 5">
+            <a:extLst>
+              <a:ext uri="{FF2B5EF4-FFF2-40B4-BE49-F238E27FC236}">
+                <a16:creationId xmlns:a16="http://schemas.microsoft.com/office/drawing/2014/main" id="{09BB0D6F-CC0E-4280-B7AB-BDC7441CB0DF}"/>
+              </a:ext>
+            </a:extLst>
+          </p:cNvPr>
+          <p:cNvSpPr/>
+          <p:nvPr/>
+        </p:nvSpPr>
+        <p:spPr>
+          <a:xfrm>
+            <a:off x="5109581" y="2822793"/>
+            <a:ext cx="2520000" cy="450000"/>
+          </a:xfrm>
+          <a:prstGeom prst="rect">
+            <a:avLst/>
+          </a:prstGeom>
+          <a:noFill/>
+          <a:ln w="38100">
+            <a:solidFill>
+              <a:srgbClr val="FF0000"/>
+            </a:solidFill>
+          </a:ln>
+        </p:spPr>
+        <p:style>
+          <a:lnRef idx="2">
+            <a:schemeClr val="accent1">
+              <a:shade val="50000"/>
+            </a:schemeClr>
+          </a:lnRef>
+          <a:fillRef idx="1">
+            <a:schemeClr val="accent1"/>
+          </a:fillRef>
+          <a:effectRef idx="0">
+            <a:schemeClr val="accent1"/>
+          </a:effectRef>
+          <a:fontRef idx="minor">
+            <a:schemeClr val="lt1"/>
+          </a:fontRef>
+        </p:style>
+        <p:txBody>
+          <a:bodyPr rtlCol="0" anchor="ctr"/>
+          <a:lstStyle/>
+          <a:p>
+            <a:pPr algn="ctr"/>
+            <a:endParaRPr lang="zh-TW" altLang="en-US"/>
+          </a:p>
+        </p:txBody>
+      </p:sp>
+      <p:pic>
+        <p:nvPicPr>
+          <p:cNvPr id="9" name="圖片 8">
+            <a:extLst>
+              <a:ext uri="{FF2B5EF4-FFF2-40B4-BE49-F238E27FC236}">
+                <a16:creationId xmlns:a16="http://schemas.microsoft.com/office/drawing/2014/main" id="{F34847FF-6050-4D07-8529-95F08C344D5D}"/>
+              </a:ext>
+            </a:extLst>
+          </p:cNvPr>
+          <p:cNvPicPr>
+            <a:picLocks noChangeAspect="1"/>
+          </p:cNvPicPr>
+          <p:nvPr/>
+        </p:nvPicPr>
+        <p:blipFill>
+          <a:blip r:embed="rId3"/>
+          <a:stretch>
+            <a:fillRect/>
+          </a:stretch>
+        </p:blipFill>
+        <p:spPr>
+          <a:xfrm>
+            <a:off x="8044604" y="295275"/>
+            <a:ext cx="3952875" cy="6267450"/>
+          </a:xfrm>
+          <a:prstGeom prst="rect">
+            <a:avLst/>
+          </a:prstGeom>
+          <a:ln w="38100" cap="sq">
+            <a:solidFill>
+              <a:srgbClr val="000000"/>
+            </a:solidFill>
+            <a:prstDash val="solid"/>
+            <a:miter lim="800000"/>
+          </a:ln>
+          <a:effectLst>
+            <a:outerShdw blurRad="50800" dist="38100" dir="2700000" algn="tl" rotWithShape="0">
+              <a:srgbClr val="000000">
+                <a:alpha val="43000"/>
+              </a:srgbClr>
+            </a:outerShdw>
+          </a:effectLst>
+        </p:spPr>
+      </p:pic>
+      <p:sp>
+        <p:nvSpPr>
+          <p:cNvPr id="12" name="矩形 11">
+            <a:extLst>
+              <a:ext uri="{FF2B5EF4-FFF2-40B4-BE49-F238E27FC236}">
+                <a16:creationId xmlns:a16="http://schemas.microsoft.com/office/drawing/2014/main" id="{53AA7D96-4548-47A7-AF14-B3A410AF8247}"/>
+              </a:ext>
+            </a:extLst>
+          </p:cNvPr>
+          <p:cNvSpPr/>
+          <p:nvPr/>
+        </p:nvSpPr>
+        <p:spPr>
+          <a:xfrm>
+            <a:off x="9495552" y="572894"/>
+            <a:ext cx="1620000" cy="450000"/>
+          </a:xfrm>
+          <a:prstGeom prst="rect">
+            <a:avLst/>
+          </a:prstGeom>
+          <a:noFill/>
+          <a:ln w="38100">
+            <a:solidFill>
+              <a:srgbClr val="FF0000"/>
+            </a:solidFill>
+          </a:ln>
+        </p:spPr>
+        <p:style>
+          <a:lnRef idx="2">
+            <a:schemeClr val="accent1">
+              <a:shade val="50000"/>
+            </a:schemeClr>
+          </a:lnRef>
+          <a:fillRef idx="1">
+            <a:schemeClr val="accent1"/>
+          </a:fillRef>
+          <a:effectRef idx="0">
+            <a:schemeClr val="accent1"/>
+          </a:effectRef>
+          <a:fontRef idx="minor">
+            <a:schemeClr val="lt1"/>
+          </a:fontRef>
+        </p:style>
+        <p:txBody>
+          <a:bodyPr rtlCol="0" anchor="ctr"/>
+          <a:lstStyle/>
+          <a:p>
+            <a:pPr algn="ctr"/>
+            <a:endParaRPr lang="zh-TW" altLang="en-US"/>
+          </a:p>
+        </p:txBody>
+      </p:sp>
     </p:spTree>
     <p:extLst>
       <p:ext uri="{BB962C8B-B14F-4D97-AF65-F5344CB8AC3E}">
-        <p14:creationId xmlns:p14="http://schemas.microsoft.com/office/powerpoint/2010/main" val="628083886"/>
+        <p14:creationId xmlns:p14="http://schemas.microsoft.com/office/powerpoint/2010/main" val="720990256"/>
       </p:ext>
     </p:extLst>
   </p:cSld>
@@ -8033,10 +11278,316 @@
           <a:chExt cx="0" cy="0"/>
         </a:xfrm>
       </p:grpSpPr>
+      <p:pic>
+        <p:nvPicPr>
+          <p:cNvPr id="15" name="圖片 14">
+            <a:extLst>
+              <a:ext uri="{FF2B5EF4-FFF2-40B4-BE49-F238E27FC236}">
+                <a16:creationId xmlns:a16="http://schemas.microsoft.com/office/drawing/2014/main" id="{36F96E34-E7FA-46B3-BA59-F5569ACC13C9}"/>
+              </a:ext>
+            </a:extLst>
+          </p:cNvPr>
+          <p:cNvPicPr>
+            <a:picLocks noChangeAspect="1"/>
+          </p:cNvPicPr>
+          <p:nvPr/>
+        </p:nvPicPr>
+        <p:blipFill>
+          <a:blip r:embed="rId2"/>
+          <a:stretch>
+            <a:fillRect/>
+          </a:stretch>
+        </p:blipFill>
+        <p:spPr>
+          <a:xfrm>
+            <a:off x="2718120" y="0"/>
+            <a:ext cx="6755759" cy="6858000"/>
+          </a:xfrm>
+          <a:prstGeom prst="rect">
+            <a:avLst/>
+          </a:prstGeom>
+        </p:spPr>
+      </p:pic>
+      <p:pic>
+        <p:nvPicPr>
+          <p:cNvPr id="3" name="圖片 2">
+            <a:extLst>
+              <a:ext uri="{FF2B5EF4-FFF2-40B4-BE49-F238E27FC236}">
+                <a16:creationId xmlns:a16="http://schemas.microsoft.com/office/drawing/2014/main" id="{EB48B631-49E3-4673-B99F-703F99A3C2A2}"/>
+              </a:ext>
+            </a:extLst>
+          </p:cNvPr>
+          <p:cNvPicPr>
+            <a:picLocks noChangeAspect="1"/>
+          </p:cNvPicPr>
+          <p:nvPr/>
+        </p:nvPicPr>
+        <p:blipFill>
+          <a:blip r:embed="rId3"/>
+          <a:stretch>
+            <a:fillRect/>
+          </a:stretch>
+        </p:blipFill>
+        <p:spPr>
+          <a:xfrm>
+            <a:off x="12405045" y="0"/>
+            <a:ext cx="6755759" cy="6858000"/>
+          </a:xfrm>
+          <a:prstGeom prst="rect">
+            <a:avLst/>
+          </a:prstGeom>
+        </p:spPr>
+      </p:pic>
+      <p:cxnSp>
+        <p:nvCxnSpPr>
+          <p:cNvPr id="4" name="直線單箭頭接點 3">
+            <a:extLst>
+              <a:ext uri="{FF2B5EF4-FFF2-40B4-BE49-F238E27FC236}">
+                <a16:creationId xmlns:a16="http://schemas.microsoft.com/office/drawing/2014/main" id="{7C4BB2A8-FA73-4C88-81B6-18098E82756B}"/>
+              </a:ext>
+            </a:extLst>
+          </p:cNvPr>
+          <p:cNvCxnSpPr>
+            <a:cxnSpLocks/>
+          </p:cNvCxnSpPr>
+          <p:nvPr/>
+        </p:nvCxnSpPr>
+        <p:spPr>
+          <a:xfrm>
+            <a:off x="4884760" y="702553"/>
+            <a:ext cx="1525565" cy="2945522"/>
+          </a:xfrm>
+          <a:prstGeom prst="straightConnector1">
+            <a:avLst/>
+          </a:prstGeom>
+          <a:ln w="57150">
+            <a:solidFill>
+              <a:srgbClr val="FF0000"/>
+            </a:solidFill>
+            <a:headEnd type="none" w="med" len="med"/>
+            <a:tailEnd type="arrow" w="med" len="med"/>
+          </a:ln>
+        </p:spPr>
+        <p:style>
+          <a:lnRef idx="1">
+            <a:schemeClr val="accent1"/>
+          </a:lnRef>
+          <a:fillRef idx="0">
+            <a:schemeClr val="accent1"/>
+          </a:fillRef>
+          <a:effectRef idx="0">
+            <a:schemeClr val="accent1"/>
+          </a:effectRef>
+          <a:fontRef idx="minor">
+            <a:schemeClr val="tx1"/>
+          </a:fontRef>
+        </p:style>
+      </p:cxnSp>
+      <p:sp>
+        <p:nvSpPr>
+          <p:cNvPr id="5" name="矩形 4">
+            <a:extLst>
+              <a:ext uri="{FF2B5EF4-FFF2-40B4-BE49-F238E27FC236}">
+                <a16:creationId xmlns:a16="http://schemas.microsoft.com/office/drawing/2014/main" id="{3019AE91-D5B4-4782-9C37-C33E51B3712A}"/>
+              </a:ext>
+            </a:extLst>
+          </p:cNvPr>
+          <p:cNvSpPr/>
+          <p:nvPr/>
+        </p:nvSpPr>
+        <p:spPr>
+          <a:xfrm>
+            <a:off x="4130526" y="3774715"/>
+            <a:ext cx="4770000" cy="450000"/>
+          </a:xfrm>
+          <a:prstGeom prst="rect">
+            <a:avLst/>
+          </a:prstGeom>
+          <a:noFill/>
+          <a:ln w="38100">
+            <a:solidFill>
+              <a:srgbClr val="FF0000"/>
+            </a:solidFill>
+          </a:ln>
+        </p:spPr>
+        <p:style>
+          <a:lnRef idx="2">
+            <a:schemeClr val="accent1">
+              <a:shade val="50000"/>
+            </a:schemeClr>
+          </a:lnRef>
+          <a:fillRef idx="1">
+            <a:schemeClr val="accent1"/>
+          </a:fillRef>
+          <a:effectRef idx="0">
+            <a:schemeClr val="accent1"/>
+          </a:effectRef>
+          <a:fontRef idx="minor">
+            <a:schemeClr val="lt1"/>
+          </a:fontRef>
+        </p:style>
+        <p:txBody>
+          <a:bodyPr rtlCol="0" anchor="ctr"/>
+          <a:lstStyle/>
+          <a:p>
+            <a:pPr algn="ctr"/>
+            <a:endParaRPr lang="zh-TW" altLang="en-US"/>
+          </a:p>
+        </p:txBody>
+      </p:sp>
+      <p:sp>
+        <p:nvSpPr>
+          <p:cNvPr id="6" name="矩形 5">
+            <a:extLst>
+              <a:ext uri="{FF2B5EF4-FFF2-40B4-BE49-F238E27FC236}">
+                <a16:creationId xmlns:a16="http://schemas.microsoft.com/office/drawing/2014/main" id="{4D906266-A9D8-4BBA-A975-E3EEB18EE78B}"/>
+              </a:ext>
+            </a:extLst>
+          </p:cNvPr>
+          <p:cNvSpPr/>
+          <p:nvPr/>
+        </p:nvSpPr>
+        <p:spPr>
+          <a:xfrm>
+            <a:off x="3849580" y="338212"/>
+            <a:ext cx="1890000" cy="270000"/>
+          </a:xfrm>
+          <a:prstGeom prst="rect">
+            <a:avLst/>
+          </a:prstGeom>
+          <a:noFill/>
+          <a:ln w="38100">
+            <a:solidFill>
+              <a:srgbClr val="FF0000"/>
+            </a:solidFill>
+          </a:ln>
+        </p:spPr>
+        <p:style>
+          <a:lnRef idx="2">
+            <a:schemeClr val="accent1">
+              <a:shade val="50000"/>
+            </a:schemeClr>
+          </a:lnRef>
+          <a:fillRef idx="1">
+            <a:schemeClr val="accent1"/>
+          </a:fillRef>
+          <a:effectRef idx="0">
+            <a:schemeClr val="accent1"/>
+          </a:effectRef>
+          <a:fontRef idx="minor">
+            <a:schemeClr val="lt1"/>
+          </a:fontRef>
+        </p:style>
+        <p:txBody>
+          <a:bodyPr rtlCol="0" anchor="ctr"/>
+          <a:lstStyle/>
+          <a:p>
+            <a:pPr algn="ctr"/>
+            <a:endParaRPr lang="zh-TW" altLang="en-US"/>
+          </a:p>
+        </p:txBody>
+      </p:sp>
+      <p:sp>
+        <p:nvSpPr>
+          <p:cNvPr id="11" name="矩形 10">
+            <a:extLst>
+              <a:ext uri="{FF2B5EF4-FFF2-40B4-BE49-F238E27FC236}">
+                <a16:creationId xmlns:a16="http://schemas.microsoft.com/office/drawing/2014/main" id="{D666EE82-BC8E-475E-B48C-2C9FEA13D2B0}"/>
+              </a:ext>
+            </a:extLst>
+          </p:cNvPr>
+          <p:cNvSpPr/>
+          <p:nvPr/>
+        </p:nvSpPr>
+        <p:spPr>
+          <a:xfrm>
+            <a:off x="4130526" y="5803540"/>
+            <a:ext cx="4770000" cy="360000"/>
+          </a:xfrm>
+          <a:prstGeom prst="rect">
+            <a:avLst/>
+          </a:prstGeom>
+          <a:noFill/>
+          <a:ln w="38100">
+            <a:solidFill>
+              <a:srgbClr val="FF0000"/>
+            </a:solidFill>
+          </a:ln>
+        </p:spPr>
+        <p:style>
+          <a:lnRef idx="2">
+            <a:schemeClr val="accent1">
+              <a:shade val="50000"/>
+            </a:schemeClr>
+          </a:lnRef>
+          <a:fillRef idx="1">
+            <a:schemeClr val="accent1"/>
+          </a:fillRef>
+          <a:effectRef idx="0">
+            <a:schemeClr val="accent1"/>
+          </a:effectRef>
+          <a:fontRef idx="minor">
+            <a:schemeClr val="lt1"/>
+          </a:fontRef>
+        </p:style>
+        <p:txBody>
+          <a:bodyPr rtlCol="0" anchor="ctr"/>
+          <a:lstStyle/>
+          <a:p>
+            <a:pPr algn="ctr"/>
+            <a:endParaRPr lang="zh-TW" altLang="en-US"/>
+          </a:p>
+        </p:txBody>
+      </p:sp>
+      <p:cxnSp>
+        <p:nvCxnSpPr>
+          <p:cNvPr id="12" name="直線單箭頭接點 11">
+            <a:extLst>
+              <a:ext uri="{FF2B5EF4-FFF2-40B4-BE49-F238E27FC236}">
+                <a16:creationId xmlns:a16="http://schemas.microsoft.com/office/drawing/2014/main" id="{FDFFA07A-81CB-4D71-9B91-5EF37F8649EE}"/>
+              </a:ext>
+            </a:extLst>
+          </p:cNvPr>
+          <p:cNvCxnSpPr>
+            <a:cxnSpLocks/>
+          </p:cNvCxnSpPr>
+          <p:nvPr/>
+        </p:nvCxnSpPr>
+        <p:spPr>
+          <a:xfrm>
+            <a:off x="6410325" y="4350628"/>
+            <a:ext cx="0" cy="1381841"/>
+          </a:xfrm>
+          <a:prstGeom prst="straightConnector1">
+            <a:avLst/>
+          </a:prstGeom>
+          <a:ln w="57150">
+            <a:solidFill>
+              <a:srgbClr val="FF0000"/>
+            </a:solidFill>
+            <a:headEnd type="none" w="med" len="med"/>
+            <a:tailEnd type="arrow" w="med" len="med"/>
+          </a:ln>
+        </p:spPr>
+        <p:style>
+          <a:lnRef idx="1">
+            <a:schemeClr val="accent1"/>
+          </a:lnRef>
+          <a:fillRef idx="0">
+            <a:schemeClr val="accent1"/>
+          </a:fillRef>
+          <a:effectRef idx="0">
+            <a:schemeClr val="accent1"/>
+          </a:effectRef>
+          <a:fontRef idx="minor">
+            <a:schemeClr val="tx1"/>
+          </a:fontRef>
+        </p:style>
+      </p:cxnSp>
     </p:spTree>
     <p:extLst>
       <p:ext uri="{BB962C8B-B14F-4D97-AF65-F5344CB8AC3E}">
-        <p14:creationId xmlns:p14="http://schemas.microsoft.com/office/powerpoint/2010/main" val="3633217814"/>
+        <p14:creationId xmlns:p14="http://schemas.microsoft.com/office/powerpoint/2010/main" val="628083886"/>
       </p:ext>
     </p:extLst>
   </p:cSld>
